--- a/PORTFOLIO.pptx
+++ b/PORTFOLIO.pptx
@@ -6,8 +6,11 @@
   </p:sldMasterIdLst>
   <p:sldIdLst>
     <p:sldId id="256" r:id="rId2"/>
-    <p:sldId id="257" r:id="rId3"/>
-    <p:sldId id="258" r:id="rId4"/>
+    <p:sldId id="258" r:id="rId3"/>
+    <p:sldId id="257" r:id="rId4"/>
+    <p:sldId id="260" r:id="rId5"/>
+    <p:sldId id="259" r:id="rId6"/>
+    <p:sldId id="261" r:id="rId7"/>
   </p:sldIdLst>
   <p:sldSz cx="12192000" cy="6858000"/>
   <p:notesSz cx="6858000" cy="9144000"/>
@@ -106,7 +109,24 @@
       </a:defRPr>
     </a:lvl9pPr>
   </p:defaultTextStyle>
+  <p:extLst>
+    <p:ext uri="{EFAFB233-063F-42B5-8137-9DF3F51BA10A}">
+      <p15:sldGuideLst xmlns:p15="http://schemas.microsoft.com/office/powerpoint/2012/main"/>
+    </p:ext>
+  </p:extLst>
 </p:presentation>
+</file>
+
+<file path=ppt/commentAuthors.xml><?xml version="1.0" encoding="utf-8"?>
+<p:cmAuthorLst xmlns:a="http://schemas.openxmlformats.org/drawingml/2006/main" xmlns:r="http://schemas.openxmlformats.org/officeDocument/2006/relationships" xmlns:p="http://schemas.openxmlformats.org/presentationml/2006/main">
+  <p:cmAuthor id="1" name="仲田　伊織" initials="仲田　伊織" lastIdx="2" clrIdx="0">
+    <p:extLst>
+      <p:ext uri="{19B8F6BF-5375-455C-9EA6-DF929625EA0E}">
+        <p15:presenceInfo xmlns:p15="http://schemas.microsoft.com/office/powerpoint/2012/main" userId="S::fko2347087@stu.o-hara.ac.jp::b509cfd3-ff17-45b7-bf03-425a22f99bad" providerId="AD"/>
+      </p:ext>
+    </p:extLst>
+  </p:cmAuthor>
+</p:cmAuthorLst>
 </file>
 
 <file path=ppt/slideLayouts/slideLayout1.xml><?xml version="1.0" encoding="utf-8"?>
@@ -166,7 +186,7 @@
           <a:noFill/>
           <a:extLst>
             <a:ext uri="{909E8E84-426E-40dd-AFC4-6F175D3DCCD1}">
-              <a14:hiddenFill xmlns:a14="http://schemas.microsoft.com/office/drawing/2010/main" xmlns="">
+              <a14:hiddenFill xmlns="" xmlns:a14="http://schemas.microsoft.com/office/drawing/2010/main">
                 <a:solidFill>
                   <a:srgbClr val="FFFFFF"/>
                 </a:solidFill>
@@ -225,7 +245,7 @@
             </a:ln>
             <a:extLst>
               <a:ext uri="{91240B29-F687-4f45-9708-019B960494DF}">
-                <a14:hiddenLine xmlns:a14="http://schemas.microsoft.com/office/drawing/2010/main" xmlns="" w="9525">
+                <a14:hiddenLine xmlns="" xmlns:a14="http://schemas.microsoft.com/office/drawing/2010/main" w="9525">
                   <a:solidFill>
                     <a:srgbClr val="000000"/>
                   </a:solidFill>
@@ -315,7 +335,7 @@
             </a:ln>
             <a:extLst>
               <a:ext uri="{91240B29-F687-4f45-9708-019B960494DF}">
-                <a14:hiddenLine xmlns:a14="http://schemas.microsoft.com/office/drawing/2010/main" xmlns="" w="9525">
+                <a14:hiddenLine xmlns="" xmlns:a14="http://schemas.microsoft.com/office/drawing/2010/main" w="9525">
                   <a:solidFill>
                     <a:srgbClr val="000000"/>
                   </a:solidFill>
@@ -405,7 +425,7 @@
             </a:ln>
             <a:extLst>
               <a:ext uri="{91240B29-F687-4f45-9708-019B960494DF}">
-                <a14:hiddenLine xmlns:a14="http://schemas.microsoft.com/office/drawing/2010/main" xmlns="" w="9525">
+                <a14:hiddenLine xmlns="" xmlns:a14="http://schemas.microsoft.com/office/drawing/2010/main" w="9525">
                   <a:solidFill>
                     <a:srgbClr val="000000"/>
                   </a:solidFill>
@@ -439,7 +459,7 @@
             </a:ln>
             <a:extLst>
               <a:ext uri="{91240B29-F687-4f45-9708-019B960494DF}">
-                <a14:hiddenLine xmlns:a14="http://schemas.microsoft.com/office/drawing/2010/main" xmlns="" w="9525">
+                <a14:hiddenLine xmlns="" xmlns:a14="http://schemas.microsoft.com/office/drawing/2010/main" w="9525">
                   <a:solidFill>
                     <a:srgbClr val="000000"/>
                   </a:solidFill>
@@ -529,7 +549,7 @@
             </a:ln>
             <a:extLst>
               <a:ext uri="{91240B29-F687-4f45-9708-019B960494DF}">
-                <a14:hiddenLine xmlns:a14="http://schemas.microsoft.com/office/drawing/2010/main" xmlns="" w="9525">
+                <a14:hiddenLine xmlns="" xmlns:a14="http://schemas.microsoft.com/office/drawing/2010/main" w="9525">
                   <a:solidFill>
                     <a:srgbClr val="000000"/>
                   </a:solidFill>
@@ -591,7 +611,7 @@
             </a:ln>
             <a:extLst>
               <a:ext uri="{91240B29-F687-4f45-9708-019B960494DF}">
-                <a14:hiddenLine xmlns:a14="http://schemas.microsoft.com/office/drawing/2010/main" xmlns="" w="9525">
+                <a14:hiddenLine xmlns="" xmlns:a14="http://schemas.microsoft.com/office/drawing/2010/main" w="9525">
                   <a:solidFill>
                     <a:srgbClr val="000000"/>
                   </a:solidFill>
@@ -653,7 +673,7 @@
             </a:ln>
             <a:extLst>
               <a:ext uri="{91240B29-F687-4f45-9708-019B960494DF}">
-                <a14:hiddenLine xmlns:a14="http://schemas.microsoft.com/office/drawing/2010/main" xmlns="" w="9525">
+                <a14:hiddenLine xmlns="" xmlns:a14="http://schemas.microsoft.com/office/drawing/2010/main" w="9525">
                   <a:solidFill>
                     <a:srgbClr val="000000"/>
                   </a:solidFill>
@@ -743,7 +763,7 @@
             </a:ln>
             <a:extLst>
               <a:ext uri="{91240B29-F687-4f45-9708-019B960494DF}">
-                <a14:hiddenLine xmlns:a14="http://schemas.microsoft.com/office/drawing/2010/main" xmlns="" w="9525">
+                <a14:hiddenLine xmlns="" xmlns:a14="http://schemas.microsoft.com/office/drawing/2010/main" w="9525">
                   <a:solidFill>
                     <a:srgbClr val="000000"/>
                   </a:solidFill>
@@ -805,7 +825,7 @@
             </a:ln>
             <a:extLst>
               <a:ext uri="{91240B29-F687-4f45-9708-019B960494DF}">
-                <a14:hiddenLine xmlns:a14="http://schemas.microsoft.com/office/drawing/2010/main" xmlns="" w="9525">
+                <a14:hiddenLine xmlns="" xmlns:a14="http://schemas.microsoft.com/office/drawing/2010/main" w="9525">
                   <a:solidFill>
                     <a:srgbClr val="000000"/>
                   </a:solidFill>
@@ -867,7 +887,7 @@
             </a:ln>
             <a:extLst>
               <a:ext uri="{91240B29-F687-4f45-9708-019B960494DF}">
-                <a14:hiddenLine xmlns:a14="http://schemas.microsoft.com/office/drawing/2010/main" xmlns="" w="9525">
+                <a14:hiddenLine xmlns="" xmlns:a14="http://schemas.microsoft.com/office/drawing/2010/main" w="9525">
                   <a:solidFill>
                     <a:srgbClr val="000000"/>
                   </a:solidFill>
@@ -957,7 +977,7 @@
             </a:ln>
             <a:extLst>
               <a:ext uri="{91240B29-F687-4f45-9708-019B960494DF}">
-                <a14:hiddenLine xmlns:a14="http://schemas.microsoft.com/office/drawing/2010/main" xmlns="" w="9525">
+                <a14:hiddenLine xmlns="" xmlns:a14="http://schemas.microsoft.com/office/drawing/2010/main" w="9525">
                   <a:solidFill>
                     <a:srgbClr val="000000"/>
                   </a:solidFill>
@@ -1047,7 +1067,7 @@
             </a:ln>
             <a:extLst>
               <a:ext uri="{91240B29-F687-4f45-9708-019B960494DF}">
-                <a14:hiddenLine xmlns:a14="http://schemas.microsoft.com/office/drawing/2010/main" xmlns="" w="9525">
+                <a14:hiddenLine xmlns="" xmlns:a14="http://schemas.microsoft.com/office/drawing/2010/main" w="9525">
                   <a:solidFill>
                     <a:srgbClr val="000000"/>
                   </a:solidFill>
@@ -1109,7 +1129,7 @@
             </a:ln>
             <a:extLst>
               <a:ext uri="{91240B29-F687-4f45-9708-019B960494DF}">
-                <a14:hiddenLine xmlns:a14="http://schemas.microsoft.com/office/drawing/2010/main" xmlns="" w="9525">
+                <a14:hiddenLine xmlns="" xmlns:a14="http://schemas.microsoft.com/office/drawing/2010/main" w="9525">
                   <a:solidFill>
                     <a:srgbClr val="000000"/>
                   </a:solidFill>
@@ -1219,7 +1239,7 @@
             </a:ln>
             <a:extLst>
               <a:ext uri="{91240B29-F687-4f45-9708-019B960494DF}">
-                <a14:hiddenLine xmlns:a14="http://schemas.microsoft.com/office/drawing/2010/main" xmlns="" w="9525">
+                <a14:hiddenLine xmlns="" xmlns:a14="http://schemas.microsoft.com/office/drawing/2010/main" w="9525">
                   <a:solidFill>
                     <a:srgbClr val="000000"/>
                   </a:solidFill>
@@ -1281,7 +1301,7 @@
             </a:ln>
             <a:extLst>
               <a:ext uri="{91240B29-F687-4f45-9708-019B960494DF}">
-                <a14:hiddenLine xmlns:a14="http://schemas.microsoft.com/office/drawing/2010/main" xmlns="" w="9525">
+                <a14:hiddenLine xmlns="" xmlns:a14="http://schemas.microsoft.com/office/drawing/2010/main" w="9525">
                   <a:solidFill>
                     <a:srgbClr val="000000"/>
                   </a:solidFill>
@@ -1371,7 +1391,7 @@
             </a:ln>
             <a:extLst>
               <a:ext uri="{91240B29-F687-4f45-9708-019B960494DF}">
-                <a14:hiddenLine xmlns:a14="http://schemas.microsoft.com/office/drawing/2010/main" xmlns="" w="9525">
+                <a14:hiddenLine xmlns="" xmlns:a14="http://schemas.microsoft.com/office/drawing/2010/main" w="9525">
                   <a:solidFill>
                     <a:srgbClr val="000000"/>
                   </a:solidFill>
@@ -1461,7 +1481,7 @@
             </a:ln>
             <a:extLst>
               <a:ext uri="{91240B29-F687-4f45-9708-019B960494DF}">
-                <a14:hiddenLine xmlns:a14="http://schemas.microsoft.com/office/drawing/2010/main" xmlns="" w="9525">
+                <a14:hiddenLine xmlns="" xmlns:a14="http://schemas.microsoft.com/office/drawing/2010/main" w="9525">
                   <a:solidFill>
                     <a:srgbClr val="000000"/>
                   </a:solidFill>
@@ -1523,7 +1543,7 @@
             </a:ln>
             <a:extLst>
               <a:ext uri="{91240B29-F687-4f45-9708-019B960494DF}">
-                <a14:hiddenLine xmlns:a14="http://schemas.microsoft.com/office/drawing/2010/main" xmlns="" w="9525">
+                <a14:hiddenLine xmlns="" xmlns:a14="http://schemas.microsoft.com/office/drawing/2010/main" w="9525">
                   <a:solidFill>
                     <a:srgbClr val="000000"/>
                   </a:solidFill>
@@ -1613,7 +1633,7 @@
             </a:ln>
             <a:extLst>
               <a:ext uri="{91240B29-F687-4f45-9708-019B960494DF}">
-                <a14:hiddenLine xmlns:a14="http://schemas.microsoft.com/office/drawing/2010/main" xmlns="" w="9525">
+                <a14:hiddenLine xmlns="" xmlns:a14="http://schemas.microsoft.com/office/drawing/2010/main" w="9525">
                   <a:solidFill>
                     <a:srgbClr val="000000"/>
                   </a:solidFill>
@@ -1703,7 +1723,7 @@
             </a:ln>
             <a:extLst>
               <a:ext uri="{91240B29-F687-4f45-9708-019B960494DF}">
-                <a14:hiddenLine xmlns:a14="http://schemas.microsoft.com/office/drawing/2010/main" xmlns="" w="9525">
+                <a14:hiddenLine xmlns="" xmlns:a14="http://schemas.microsoft.com/office/drawing/2010/main" w="9525">
                   <a:solidFill>
                     <a:srgbClr val="000000"/>
                   </a:solidFill>
@@ -1759,7 +1779,7 @@
             </a:ln>
             <a:extLst>
               <a:ext uri="{91240B29-F687-4f45-9708-019B960494DF}">
-                <a14:hiddenLine xmlns:a14="http://schemas.microsoft.com/office/drawing/2010/main" xmlns="" w="9525">
+                <a14:hiddenLine xmlns="" xmlns:a14="http://schemas.microsoft.com/office/drawing/2010/main" w="9525">
                   <a:solidFill>
                     <a:srgbClr val="000000"/>
                   </a:solidFill>
@@ -1849,7 +1869,7 @@
             </a:ln>
             <a:extLst>
               <a:ext uri="{91240B29-F687-4f45-9708-019B960494DF}">
-                <a14:hiddenLine xmlns:a14="http://schemas.microsoft.com/office/drawing/2010/main" xmlns="" w="9525">
+                <a14:hiddenLine xmlns="" xmlns:a14="http://schemas.microsoft.com/office/drawing/2010/main" w="9525">
                   <a:solidFill>
                     <a:srgbClr val="000000"/>
                   </a:solidFill>
@@ -1905,7 +1925,7 @@
             </a:ln>
             <a:extLst>
               <a:ext uri="{91240B29-F687-4f45-9708-019B960494DF}">
-                <a14:hiddenLine xmlns:a14="http://schemas.microsoft.com/office/drawing/2010/main" xmlns="" w="9525">
+                <a14:hiddenLine xmlns="" xmlns:a14="http://schemas.microsoft.com/office/drawing/2010/main" w="9525">
                   <a:solidFill>
                     <a:srgbClr val="000000"/>
                   </a:solidFill>
@@ -1995,7 +2015,7 @@
             </a:ln>
             <a:extLst>
               <a:ext uri="{91240B29-F687-4f45-9708-019B960494DF}">
-                <a14:hiddenLine xmlns:a14="http://schemas.microsoft.com/office/drawing/2010/main" xmlns="" w="9525">
+                <a14:hiddenLine xmlns="" xmlns:a14="http://schemas.microsoft.com/office/drawing/2010/main" w="9525">
                   <a:solidFill>
                     <a:srgbClr val="000000"/>
                   </a:solidFill>
@@ -2063,7 +2083,7 @@
             </a:ln>
             <a:extLst>
               <a:ext uri="{91240B29-F687-4f45-9708-019B960494DF}">
-                <a14:hiddenLine xmlns:a14="http://schemas.microsoft.com/office/drawing/2010/main" xmlns="" w="9525">
+                <a14:hiddenLine xmlns="" xmlns:a14="http://schemas.microsoft.com/office/drawing/2010/main" w="9525">
                   <a:solidFill>
                     <a:srgbClr val="000000"/>
                   </a:solidFill>
@@ -2153,7 +2173,7 @@
             </a:ln>
             <a:extLst>
               <a:ext uri="{91240B29-F687-4f45-9708-019B960494DF}">
-                <a14:hiddenLine xmlns:a14="http://schemas.microsoft.com/office/drawing/2010/main" xmlns="" w="9525">
+                <a14:hiddenLine xmlns="" xmlns:a14="http://schemas.microsoft.com/office/drawing/2010/main" w="9525">
                   <a:solidFill>
                     <a:srgbClr val="000000"/>
                   </a:solidFill>
@@ -2221,7 +2241,7 @@
             </a:ln>
             <a:extLst>
               <a:ext uri="{91240B29-F687-4f45-9708-019B960494DF}">
-                <a14:hiddenLine xmlns:a14="http://schemas.microsoft.com/office/drawing/2010/main" xmlns="" w="9525">
+                <a14:hiddenLine xmlns="" xmlns:a14="http://schemas.microsoft.com/office/drawing/2010/main" w="9525">
                   <a:solidFill>
                     <a:srgbClr val="000000"/>
                   </a:solidFill>
@@ -2311,7 +2331,7 @@
             </a:ln>
             <a:extLst>
               <a:ext uri="{91240B29-F687-4f45-9708-019B960494DF}">
-                <a14:hiddenLine xmlns:a14="http://schemas.microsoft.com/office/drawing/2010/main" xmlns="" w="9525">
+                <a14:hiddenLine xmlns="" xmlns:a14="http://schemas.microsoft.com/office/drawing/2010/main" w="9525">
                   <a:solidFill>
                     <a:srgbClr val="000000"/>
                   </a:solidFill>
@@ -2345,7 +2365,7 @@
             </a:ln>
             <a:extLst>
               <a:ext uri="{91240B29-F687-4f45-9708-019B960494DF}">
-                <a14:hiddenLine xmlns:a14="http://schemas.microsoft.com/office/drawing/2010/main" xmlns="" w="9525">
+                <a14:hiddenLine xmlns="" xmlns:a14="http://schemas.microsoft.com/office/drawing/2010/main" w="9525">
                   <a:solidFill>
                     <a:srgbClr val="000000"/>
                   </a:solidFill>
@@ -2435,7 +2455,7 @@
             </a:ln>
             <a:extLst>
               <a:ext uri="{91240B29-F687-4f45-9708-019B960494DF}">
-                <a14:hiddenLine xmlns:a14="http://schemas.microsoft.com/office/drawing/2010/main" xmlns="" w="9525">
+                <a14:hiddenLine xmlns="" xmlns:a14="http://schemas.microsoft.com/office/drawing/2010/main" w="9525">
                   <a:solidFill>
                     <a:srgbClr val="000000"/>
                   </a:solidFill>
@@ -2497,7 +2517,7 @@
             </a:ln>
             <a:extLst>
               <a:ext uri="{91240B29-F687-4f45-9708-019B960494DF}">
-                <a14:hiddenLine xmlns:a14="http://schemas.microsoft.com/office/drawing/2010/main" xmlns="" w="9525">
+                <a14:hiddenLine xmlns="" xmlns:a14="http://schemas.microsoft.com/office/drawing/2010/main" w="9525">
                   <a:solidFill>
                     <a:srgbClr val="000000"/>
                   </a:solidFill>
@@ -2559,7 +2579,7 @@
             </a:ln>
             <a:extLst>
               <a:ext uri="{91240B29-F687-4f45-9708-019B960494DF}">
-                <a14:hiddenLine xmlns:a14="http://schemas.microsoft.com/office/drawing/2010/main" xmlns="" w="9525">
+                <a14:hiddenLine xmlns="" xmlns:a14="http://schemas.microsoft.com/office/drawing/2010/main" w="9525">
                   <a:solidFill>
                     <a:srgbClr val="000000"/>
                   </a:solidFill>
@@ -2649,7 +2669,7 @@
             </a:ln>
             <a:extLst>
               <a:ext uri="{91240B29-F687-4f45-9708-019B960494DF}">
-                <a14:hiddenLine xmlns:a14="http://schemas.microsoft.com/office/drawing/2010/main" xmlns="" w="9525">
+                <a14:hiddenLine xmlns="" xmlns:a14="http://schemas.microsoft.com/office/drawing/2010/main" w="9525">
                   <a:solidFill>
                     <a:srgbClr val="000000"/>
                   </a:solidFill>
@@ -2717,7 +2737,7 @@
             </a:ln>
             <a:extLst>
               <a:ext uri="{91240B29-F687-4f45-9708-019B960494DF}">
-                <a14:hiddenLine xmlns:a14="http://schemas.microsoft.com/office/drawing/2010/main" xmlns="" w="9525">
+                <a14:hiddenLine xmlns="" xmlns:a14="http://schemas.microsoft.com/office/drawing/2010/main" w="9525">
                   <a:solidFill>
                     <a:srgbClr val="000000"/>
                   </a:solidFill>
@@ -2779,7 +2799,7 @@
             </a:ln>
             <a:extLst>
               <a:ext uri="{91240B29-F687-4f45-9708-019B960494DF}">
-                <a14:hiddenLine xmlns:a14="http://schemas.microsoft.com/office/drawing/2010/main" xmlns="" w="9525">
+                <a14:hiddenLine xmlns="" xmlns:a14="http://schemas.microsoft.com/office/drawing/2010/main" w="9525">
                   <a:solidFill>
                     <a:srgbClr val="000000"/>
                   </a:solidFill>
@@ -2869,7 +2889,7 @@
             </a:ln>
             <a:extLst>
               <a:ext uri="{91240B29-F687-4f45-9708-019B960494DF}">
-                <a14:hiddenLine xmlns:a14="http://schemas.microsoft.com/office/drawing/2010/main" xmlns="" w="9525">
+                <a14:hiddenLine xmlns="" xmlns:a14="http://schemas.microsoft.com/office/drawing/2010/main" w="9525">
                   <a:solidFill>
                     <a:srgbClr val="000000"/>
                   </a:solidFill>
@@ -2931,7 +2951,7 @@
             </a:ln>
             <a:extLst>
               <a:ext uri="{91240B29-F687-4f45-9708-019B960494DF}">
-                <a14:hiddenLine xmlns:a14="http://schemas.microsoft.com/office/drawing/2010/main" xmlns="" w="9525">
+                <a14:hiddenLine xmlns="" xmlns:a14="http://schemas.microsoft.com/office/drawing/2010/main" w="9525">
                   <a:solidFill>
                     <a:srgbClr val="000000"/>
                   </a:solidFill>
@@ -3021,7 +3041,7 @@
             </a:ln>
             <a:extLst>
               <a:ext uri="{91240B29-F687-4f45-9708-019B960494DF}">
-                <a14:hiddenLine xmlns:a14="http://schemas.microsoft.com/office/drawing/2010/main" xmlns="" w="9525">
+                <a14:hiddenLine xmlns="" xmlns:a14="http://schemas.microsoft.com/office/drawing/2010/main" w="9525">
                   <a:solidFill>
                     <a:srgbClr val="000000"/>
                   </a:solidFill>
@@ -3083,7 +3103,7 @@
             </a:ln>
             <a:extLst>
               <a:ext uri="{91240B29-F687-4f45-9708-019B960494DF}">
-                <a14:hiddenLine xmlns:a14="http://schemas.microsoft.com/office/drawing/2010/main" xmlns="" w="9525">
+                <a14:hiddenLine xmlns="" xmlns:a14="http://schemas.microsoft.com/office/drawing/2010/main" w="9525">
                   <a:solidFill>
                     <a:srgbClr val="000000"/>
                   </a:solidFill>
@@ -3173,7 +3193,7 @@
             </a:ln>
             <a:extLst>
               <a:ext uri="{91240B29-F687-4f45-9708-019B960494DF}">
-                <a14:hiddenLine xmlns:a14="http://schemas.microsoft.com/office/drawing/2010/main" xmlns="" w="9525">
+                <a14:hiddenLine xmlns="" xmlns:a14="http://schemas.microsoft.com/office/drawing/2010/main" w="9525">
                   <a:solidFill>
                     <a:srgbClr val="000000"/>
                   </a:solidFill>
@@ -3207,7 +3227,7 @@
             </a:ln>
             <a:extLst>
               <a:ext uri="{91240B29-F687-4f45-9708-019B960494DF}">
-                <a14:hiddenLine xmlns:a14="http://schemas.microsoft.com/office/drawing/2010/main" xmlns="" w="9525">
+                <a14:hiddenLine xmlns="" xmlns:a14="http://schemas.microsoft.com/office/drawing/2010/main" w="9525">
                   <a:solidFill>
                     <a:srgbClr val="000000"/>
                   </a:solidFill>
@@ -3272,7 +3292,7 @@
             </a:ln>
             <a:extLst>
               <a:ext uri="{91240B29-F687-4f45-9708-019B960494DF}">
-                <a14:hiddenLine xmlns:a14="http://schemas.microsoft.com/office/drawing/2010/main" xmlns="" w="9525">
+                <a14:hiddenLine xmlns="" xmlns:a14="http://schemas.microsoft.com/office/drawing/2010/main" w="9525">
                   <a:solidFill>
                     <a:srgbClr val="000000"/>
                   </a:solidFill>
@@ -3362,7 +3382,7 @@
             </a:ln>
             <a:extLst>
               <a:ext uri="{91240B29-F687-4f45-9708-019B960494DF}">
-                <a14:hiddenLine xmlns:a14="http://schemas.microsoft.com/office/drawing/2010/main" xmlns="" w="9525">
+                <a14:hiddenLine xmlns="" xmlns:a14="http://schemas.microsoft.com/office/drawing/2010/main" w="9525">
                   <a:solidFill>
                     <a:srgbClr val="000000"/>
                   </a:solidFill>
@@ -3424,7 +3444,7 @@
             </a:ln>
             <a:extLst>
               <a:ext uri="{91240B29-F687-4f45-9708-019B960494DF}">
-                <a14:hiddenLine xmlns:a14="http://schemas.microsoft.com/office/drawing/2010/main" xmlns="" w="9525">
+                <a14:hiddenLine xmlns="" xmlns:a14="http://schemas.microsoft.com/office/drawing/2010/main" w="9525">
                   <a:solidFill>
                     <a:srgbClr val="000000"/>
                   </a:solidFill>
@@ -3514,7 +3534,7 @@
             </a:ln>
             <a:extLst>
               <a:ext uri="{91240B29-F687-4f45-9708-019B960494DF}">
-                <a14:hiddenLine xmlns:a14="http://schemas.microsoft.com/office/drawing/2010/main" xmlns="" w="9525">
+                <a14:hiddenLine xmlns="" xmlns:a14="http://schemas.microsoft.com/office/drawing/2010/main" w="9525">
                   <a:solidFill>
                     <a:srgbClr val="000000"/>
                   </a:solidFill>
@@ -3604,7 +3624,7 @@
             </a:ln>
             <a:extLst>
               <a:ext uri="{91240B29-F687-4f45-9708-019B960494DF}">
-                <a14:hiddenLine xmlns:a14="http://schemas.microsoft.com/office/drawing/2010/main" xmlns="" w="9525">
+                <a14:hiddenLine xmlns="" xmlns:a14="http://schemas.microsoft.com/office/drawing/2010/main" w="9525">
                   <a:solidFill>
                     <a:srgbClr val="000000"/>
                   </a:solidFill>
@@ -3669,7 +3689,7 @@
             </a:ln>
             <a:extLst>
               <a:ext uri="{91240B29-F687-4f45-9708-019B960494DF}">
-                <a14:hiddenLine xmlns:a14="http://schemas.microsoft.com/office/drawing/2010/main" xmlns="" w="9525">
+                <a14:hiddenLine xmlns="" xmlns:a14="http://schemas.microsoft.com/office/drawing/2010/main" w="9525">
                   <a:solidFill>
                     <a:srgbClr val="000000"/>
                   </a:solidFill>
@@ -3731,7 +3751,7 @@
             </a:ln>
             <a:extLst>
               <a:ext uri="{91240B29-F687-4f45-9708-019B960494DF}">
-                <a14:hiddenLine xmlns:a14="http://schemas.microsoft.com/office/drawing/2010/main" xmlns="" w="9525">
+                <a14:hiddenLine xmlns="" xmlns:a14="http://schemas.microsoft.com/office/drawing/2010/main" w="9525">
                   <a:solidFill>
                     <a:srgbClr val="000000"/>
                   </a:solidFill>
@@ -3821,7 +3841,7 @@
             </a:ln>
             <a:extLst>
               <a:ext uri="{91240B29-F687-4f45-9708-019B960494DF}">
-                <a14:hiddenLine xmlns:a14="http://schemas.microsoft.com/office/drawing/2010/main" xmlns="" w="9525">
+                <a14:hiddenLine xmlns="" xmlns:a14="http://schemas.microsoft.com/office/drawing/2010/main" w="9525">
                   <a:solidFill>
                     <a:srgbClr val="000000"/>
                   </a:solidFill>
@@ -3911,7 +3931,7 @@
             </a:ln>
             <a:extLst>
               <a:ext uri="{91240B29-F687-4f45-9708-019B960494DF}">
-                <a14:hiddenLine xmlns:a14="http://schemas.microsoft.com/office/drawing/2010/main" xmlns="" w="9525">
+                <a14:hiddenLine xmlns="" xmlns:a14="http://schemas.microsoft.com/office/drawing/2010/main" w="9525">
                   <a:solidFill>
                     <a:srgbClr val="000000"/>
                   </a:solidFill>
@@ -3973,7 +3993,7 @@
             </a:ln>
             <a:extLst>
               <a:ext uri="{91240B29-F687-4f45-9708-019B960494DF}">
-                <a14:hiddenLine xmlns:a14="http://schemas.microsoft.com/office/drawing/2010/main" xmlns="" w="9525">
+                <a14:hiddenLine xmlns="" xmlns:a14="http://schemas.microsoft.com/office/drawing/2010/main" w="9525">
                   <a:solidFill>
                     <a:srgbClr val="000000"/>
                   </a:solidFill>
@@ -4093,7 +4113,7 @@
             </a:ln>
             <a:extLst>
               <a:ext uri="{91240B29-F687-4f45-9708-019B960494DF}">
-                <a14:hiddenLine xmlns:a14="http://schemas.microsoft.com/office/drawing/2010/main" xmlns="" w="9525">
+                <a14:hiddenLine xmlns="" xmlns:a14="http://schemas.microsoft.com/office/drawing/2010/main" w="9525">
                   <a:solidFill>
                     <a:srgbClr val="000000"/>
                   </a:solidFill>
@@ -4161,7 +4181,7 @@
             </a:ln>
             <a:extLst>
               <a:ext uri="{91240B29-F687-4f45-9708-019B960494DF}">
-                <a14:hiddenLine xmlns:a14="http://schemas.microsoft.com/office/drawing/2010/main" xmlns="" w="9525">
+                <a14:hiddenLine xmlns="" xmlns:a14="http://schemas.microsoft.com/office/drawing/2010/main" w="9525">
                   <a:solidFill>
                     <a:srgbClr val="000000"/>
                   </a:solidFill>
@@ -4251,7 +4271,7 @@
             </a:ln>
             <a:extLst>
               <a:ext uri="{91240B29-F687-4f45-9708-019B960494DF}">
-                <a14:hiddenLine xmlns:a14="http://schemas.microsoft.com/office/drawing/2010/main" xmlns="" w="9525">
+                <a14:hiddenLine xmlns="" xmlns:a14="http://schemas.microsoft.com/office/drawing/2010/main" w="9525">
                   <a:solidFill>
                     <a:srgbClr val="000000"/>
                   </a:solidFill>
@@ -4391,7 +4411,7 @@
           <a:p>
             <a:fld id="{48A87A34-81AB-432B-8DAE-1953F412C126}" type="datetimeFigureOut">
               <a:rPr lang="en-US" dirty="0"/>
-              <a:t>2/21/2024</a:t>
+              <a:t>2/28/2024</a:t>
             </a:fld>
             <a:endParaRPr lang="en-US" dirty="0"/>
           </a:p>
@@ -4653,7 +4673,7 @@
           <a:p>
             <a:fld id="{48A87A34-81AB-432B-8DAE-1953F412C126}" type="datetimeFigureOut">
               <a:rPr lang="en-US" dirty="0"/>
-              <a:t>2/21/2024</a:t>
+              <a:t>2/28/2024</a:t>
             </a:fld>
             <a:endParaRPr lang="en-US" dirty="0"/>
           </a:p>
@@ -4844,7 +4864,7 @@
           <a:p>
             <a:fld id="{48A87A34-81AB-432B-8DAE-1953F412C126}" type="datetimeFigureOut">
               <a:rPr lang="en-US" dirty="0"/>
-              <a:t>2/21/2024</a:t>
+              <a:t>2/28/2024</a:t>
             </a:fld>
             <a:endParaRPr lang="en-US" dirty="0"/>
           </a:p>
@@ -5102,7 +5122,7 @@
           <a:p>
             <a:fld id="{48A87A34-81AB-432B-8DAE-1953F412C126}" type="datetimeFigureOut">
               <a:rPr lang="en-US" dirty="0"/>
-              <a:t>2/21/2024</a:t>
+              <a:t>2/28/2024</a:t>
             </a:fld>
             <a:endParaRPr lang="en-US" dirty="0"/>
           </a:p>
@@ -5531,7 +5551,7 @@
           <a:p>
             <a:fld id="{48A87A34-81AB-432B-8DAE-1953F412C126}" type="datetimeFigureOut">
               <a:rPr lang="en-US" dirty="0"/>
-              <a:t>2/21/2024</a:t>
+              <a:t>2/28/2024</a:t>
             </a:fld>
             <a:endParaRPr lang="en-US" dirty="0"/>
           </a:p>
@@ -6072,7 +6092,7 @@
           <a:p>
             <a:fld id="{48A87A34-81AB-432B-8DAE-1953F412C126}" type="datetimeFigureOut">
               <a:rPr lang="en-US" dirty="0"/>
-              <a:t>2/21/2024</a:t>
+              <a:t>2/28/2024</a:t>
             </a:fld>
             <a:endParaRPr lang="en-US" dirty="0"/>
           </a:p>
@@ -6787,7 +6807,7 @@
           <a:p>
             <a:fld id="{48A87A34-81AB-432B-8DAE-1953F412C126}" type="datetimeFigureOut">
               <a:rPr lang="en-US" dirty="0"/>
-              <a:t>2/21/2024</a:t>
+              <a:t>2/28/2024</a:t>
             </a:fld>
             <a:endParaRPr lang="en-US" dirty="0"/>
           </a:p>
@@ -6984,7 +7004,7 @@
           <a:p>
             <a:fld id="{48A87A34-81AB-432B-8DAE-1953F412C126}" type="datetimeFigureOut">
               <a:rPr lang="en-US" dirty="0"/>
-              <a:t>2/21/2024</a:t>
+              <a:t>2/28/2024</a:t>
             </a:fld>
             <a:endParaRPr lang="en-US" dirty="0"/>
           </a:p>
@@ -7191,7 +7211,7 @@
           <a:p>
             <a:fld id="{48A87A34-81AB-432B-8DAE-1953F412C126}" type="datetimeFigureOut">
               <a:rPr lang="en-US" dirty="0"/>
-              <a:t>2/21/2024</a:t>
+              <a:t>2/28/2024</a:t>
             </a:fld>
             <a:endParaRPr lang="en-US" dirty="0"/>
           </a:p>
@@ -7388,7 +7408,7 @@
           <a:p>
             <a:fld id="{48A87A34-81AB-432B-8DAE-1953F412C126}" type="datetimeFigureOut">
               <a:rPr lang="en-US" dirty="0"/>
-              <a:t>2/21/2024</a:t>
+              <a:t>2/28/2024</a:t>
             </a:fld>
             <a:endParaRPr lang="en-US" dirty="0"/>
           </a:p>
@@ -7633,7 +7653,7 @@
           <a:p>
             <a:fld id="{48A87A34-81AB-432B-8DAE-1953F412C126}" type="datetimeFigureOut">
               <a:rPr lang="en-US" dirty="0"/>
-              <a:t>2/21/2024</a:t>
+              <a:t>2/28/2024</a:t>
             </a:fld>
             <a:endParaRPr lang="en-US" dirty="0"/>
           </a:p>
@@ -7924,7 +7944,7 @@
           <a:p>
             <a:fld id="{48A87A34-81AB-432B-8DAE-1953F412C126}" type="datetimeFigureOut">
               <a:rPr lang="en-US" dirty="0"/>
-              <a:t>2/21/2024</a:t>
+              <a:t>2/28/2024</a:t>
             </a:fld>
             <a:endParaRPr lang="en-US" dirty="0"/>
           </a:p>
@@ -8364,7 +8384,7 @@
           <a:p>
             <a:fld id="{48A87A34-81AB-432B-8DAE-1953F412C126}" type="datetimeFigureOut">
               <a:rPr lang="en-US" dirty="0"/>
-              <a:t>2/21/2024</a:t>
+              <a:t>2/28/2024</a:t>
             </a:fld>
             <a:endParaRPr lang="en-US" dirty="0"/>
           </a:p>
@@ -8477,7 +8497,7 @@
           <a:p>
             <a:fld id="{48A87A34-81AB-432B-8DAE-1953F412C126}" type="datetimeFigureOut">
               <a:rPr lang="en-US" dirty="0"/>
-              <a:t>2/21/2024</a:t>
+              <a:t>2/28/2024</a:t>
             </a:fld>
             <a:endParaRPr lang="en-US" dirty="0"/>
           </a:p>
@@ -8567,7 +8587,7 @@
           <a:p>
             <a:fld id="{48A87A34-81AB-432B-8DAE-1953F412C126}" type="datetimeFigureOut">
               <a:rPr lang="en-US" dirty="0"/>
-              <a:t>2/21/2024</a:t>
+              <a:t>2/28/2024</a:t>
             </a:fld>
             <a:endParaRPr lang="en-US" dirty="0"/>
           </a:p>
@@ -8843,7 +8863,7 @@
           <a:p>
             <a:fld id="{48A87A34-81AB-432B-8DAE-1953F412C126}" type="datetimeFigureOut">
               <a:rPr lang="en-US" dirty="0"/>
-              <a:t>2/21/2024</a:t>
+              <a:t>2/28/2024</a:t>
             </a:fld>
             <a:endParaRPr lang="en-US" dirty="0"/>
           </a:p>
@@ -9118,7 +9138,7 @@
           <a:p>
             <a:fld id="{48A87A34-81AB-432B-8DAE-1953F412C126}" type="datetimeFigureOut">
               <a:rPr lang="en-US" dirty="0"/>
-              <a:t>2/21/2024</a:t>
+              <a:t>2/28/2024</a:t>
             </a:fld>
             <a:endParaRPr lang="en-US" dirty="0"/>
           </a:p>
@@ -9236,7 +9256,7 @@
           <a:noFill/>
           <a:extLst>
             <a:ext uri="{909E8E84-426E-40dd-AFC4-6F175D3DCCD1}">
-              <a14:hiddenFill xmlns:a14="http://schemas.microsoft.com/office/drawing/2010/main" xmlns="">
+              <a14:hiddenFill xmlns="" xmlns:a14="http://schemas.microsoft.com/office/drawing/2010/main">
                 <a:solidFill>
                   <a:srgbClr val="FFFFFF"/>
                 </a:solidFill>
@@ -9310,7 +9330,7 @@
               </a:ln>
               <a:extLst>
                 <a:ext uri="{91240B29-F687-4f45-9708-019B960494DF}">
-                  <a14:hiddenLine xmlns:a14="http://schemas.microsoft.com/office/drawing/2010/main" xmlns="" w="9525">
+                  <a14:hiddenLine xmlns="" xmlns:a14="http://schemas.microsoft.com/office/drawing/2010/main" w="9525">
                     <a:solidFill>
                       <a:srgbClr val="000000"/>
                     </a:solidFill>
@@ -9400,7 +9420,7 @@
               </a:ln>
               <a:extLst>
                 <a:ext uri="{91240B29-F687-4f45-9708-019B960494DF}">
-                  <a14:hiddenLine xmlns:a14="http://schemas.microsoft.com/office/drawing/2010/main" xmlns="" w="9525">
+                  <a14:hiddenLine xmlns="" xmlns:a14="http://schemas.microsoft.com/office/drawing/2010/main" w="9525">
                     <a:solidFill>
                       <a:srgbClr val="000000"/>
                     </a:solidFill>
@@ -9490,7 +9510,7 @@
               </a:ln>
               <a:extLst>
                 <a:ext uri="{91240B29-F687-4f45-9708-019B960494DF}">
-                  <a14:hiddenLine xmlns:a14="http://schemas.microsoft.com/office/drawing/2010/main" xmlns="" w="9525">
+                  <a14:hiddenLine xmlns="" xmlns:a14="http://schemas.microsoft.com/office/drawing/2010/main" w="9525">
                     <a:solidFill>
                       <a:srgbClr val="000000"/>
                     </a:solidFill>
@@ -9552,7 +9572,7 @@
               </a:ln>
               <a:extLst>
                 <a:ext uri="{91240B29-F687-4f45-9708-019B960494DF}">
-                  <a14:hiddenLine xmlns:a14="http://schemas.microsoft.com/office/drawing/2010/main" xmlns="" w="9525">
+                  <a14:hiddenLine xmlns="" xmlns:a14="http://schemas.microsoft.com/office/drawing/2010/main" w="9525">
                     <a:solidFill>
                       <a:srgbClr val="000000"/>
                     </a:solidFill>
@@ -9642,7 +9662,7 @@
               </a:ln>
               <a:extLst>
                 <a:ext uri="{91240B29-F687-4f45-9708-019B960494DF}">
-                  <a14:hiddenLine xmlns:a14="http://schemas.microsoft.com/office/drawing/2010/main" xmlns="" w="9525">
+                  <a14:hiddenLine xmlns="" xmlns:a14="http://schemas.microsoft.com/office/drawing/2010/main" w="9525">
                     <a:solidFill>
                       <a:srgbClr val="000000"/>
                     </a:solidFill>
@@ -9704,7 +9724,7 @@
               </a:ln>
               <a:extLst>
                 <a:ext uri="{91240B29-F687-4f45-9708-019B960494DF}">
-                  <a14:hiddenLine xmlns:a14="http://schemas.microsoft.com/office/drawing/2010/main" xmlns="" w="9525">
+                  <a14:hiddenLine xmlns="" xmlns:a14="http://schemas.microsoft.com/office/drawing/2010/main" w="9525">
                     <a:solidFill>
                       <a:srgbClr val="000000"/>
                     </a:solidFill>
@@ -9766,7 +9786,7 @@
               </a:ln>
               <a:extLst>
                 <a:ext uri="{91240B29-F687-4f45-9708-019B960494DF}">
-                  <a14:hiddenLine xmlns:a14="http://schemas.microsoft.com/office/drawing/2010/main" xmlns="" w="9525">
+                  <a14:hiddenLine xmlns="" xmlns:a14="http://schemas.microsoft.com/office/drawing/2010/main" w="9525">
                     <a:solidFill>
                       <a:srgbClr val="000000"/>
                     </a:solidFill>
@@ -9856,7 +9876,7 @@
               </a:ln>
               <a:extLst>
                 <a:ext uri="{91240B29-F687-4f45-9708-019B960494DF}">
-                  <a14:hiddenLine xmlns:a14="http://schemas.microsoft.com/office/drawing/2010/main" xmlns="" w="9525">
+                  <a14:hiddenLine xmlns="" xmlns:a14="http://schemas.microsoft.com/office/drawing/2010/main" w="9525">
                     <a:solidFill>
                       <a:srgbClr val="000000"/>
                     </a:solidFill>
@@ -9946,7 +9966,7 @@
               </a:ln>
               <a:extLst>
                 <a:ext uri="{91240B29-F687-4f45-9708-019B960494DF}">
-                  <a14:hiddenLine xmlns:a14="http://schemas.microsoft.com/office/drawing/2010/main" xmlns="" w="9525">
+                  <a14:hiddenLine xmlns="" xmlns:a14="http://schemas.microsoft.com/office/drawing/2010/main" w="9525">
                     <a:solidFill>
                       <a:srgbClr val="000000"/>
                     </a:solidFill>
@@ -10008,7 +10028,7 @@
               </a:ln>
               <a:extLst>
                 <a:ext uri="{91240B29-F687-4f45-9708-019B960494DF}">
-                  <a14:hiddenLine xmlns:a14="http://schemas.microsoft.com/office/drawing/2010/main" xmlns="" w="9525">
+                  <a14:hiddenLine xmlns="" xmlns:a14="http://schemas.microsoft.com/office/drawing/2010/main" w="9525">
                     <a:solidFill>
                       <a:srgbClr val="000000"/>
                     </a:solidFill>
@@ -10118,7 +10138,7 @@
               </a:ln>
               <a:extLst>
                 <a:ext uri="{91240B29-F687-4f45-9708-019B960494DF}">
-                  <a14:hiddenLine xmlns:a14="http://schemas.microsoft.com/office/drawing/2010/main" xmlns="" w="9525">
+                  <a14:hiddenLine xmlns="" xmlns:a14="http://schemas.microsoft.com/office/drawing/2010/main" w="9525">
                     <a:solidFill>
                       <a:srgbClr val="000000"/>
                     </a:solidFill>
@@ -10202,7 +10222,7 @@
               </a:ln>
               <a:extLst>
                 <a:ext uri="{91240B29-F687-4f45-9708-019B960494DF}">
-                  <a14:hiddenLine xmlns:a14="http://schemas.microsoft.com/office/drawing/2010/main" xmlns="" w="9525">
+                  <a14:hiddenLine xmlns="" xmlns:a14="http://schemas.microsoft.com/office/drawing/2010/main" w="9525">
                     <a:solidFill>
                       <a:srgbClr val="000000"/>
                     </a:solidFill>
@@ -10264,7 +10284,7 @@
               </a:ln>
               <a:extLst>
                 <a:ext uri="{91240B29-F687-4f45-9708-019B960494DF}">
-                  <a14:hiddenLine xmlns:a14="http://schemas.microsoft.com/office/drawing/2010/main" xmlns="" w="9525">
+                  <a14:hiddenLine xmlns="" xmlns:a14="http://schemas.microsoft.com/office/drawing/2010/main" w="9525">
                     <a:solidFill>
                       <a:srgbClr val="000000"/>
                     </a:solidFill>
@@ -10326,7 +10346,7 @@
               </a:ln>
               <a:extLst>
                 <a:ext uri="{91240B29-F687-4f45-9708-019B960494DF}">
-                  <a14:hiddenLine xmlns:a14="http://schemas.microsoft.com/office/drawing/2010/main" xmlns="" w="9525">
+                  <a14:hiddenLine xmlns="" xmlns:a14="http://schemas.microsoft.com/office/drawing/2010/main" w="9525">
                     <a:solidFill>
                       <a:srgbClr val="000000"/>
                     </a:solidFill>
@@ -10416,7 +10436,7 @@
               </a:ln>
               <a:extLst>
                 <a:ext uri="{91240B29-F687-4f45-9708-019B960494DF}">
-                  <a14:hiddenLine xmlns:a14="http://schemas.microsoft.com/office/drawing/2010/main" xmlns="" w="9525">
+                  <a14:hiddenLine xmlns="" xmlns:a14="http://schemas.microsoft.com/office/drawing/2010/main" w="9525">
                     <a:solidFill>
                       <a:srgbClr val="000000"/>
                     </a:solidFill>
@@ -10450,7 +10470,7 @@
               </a:ln>
               <a:extLst>
                 <a:ext uri="{91240B29-F687-4f45-9708-019B960494DF}">
-                  <a14:hiddenLine xmlns:a14="http://schemas.microsoft.com/office/drawing/2010/main" xmlns="" w="9525">
+                  <a14:hiddenLine xmlns="" xmlns:a14="http://schemas.microsoft.com/office/drawing/2010/main" w="9525">
                     <a:solidFill>
                       <a:srgbClr val="000000"/>
                     </a:solidFill>
@@ -10515,7 +10535,7 @@
               </a:ln>
               <a:extLst>
                 <a:ext uri="{91240B29-F687-4f45-9708-019B960494DF}">
-                  <a14:hiddenLine xmlns:a14="http://schemas.microsoft.com/office/drawing/2010/main" xmlns="" w="9525">
+                  <a14:hiddenLine xmlns="" xmlns:a14="http://schemas.microsoft.com/office/drawing/2010/main" w="9525">
                     <a:solidFill>
                       <a:srgbClr val="000000"/>
                     </a:solidFill>
@@ -10605,7 +10625,7 @@
               </a:ln>
               <a:extLst>
                 <a:ext uri="{91240B29-F687-4f45-9708-019B960494DF}">
-                  <a14:hiddenLine xmlns:a14="http://schemas.microsoft.com/office/drawing/2010/main" xmlns="" w="9525">
+                  <a14:hiddenLine xmlns="" xmlns:a14="http://schemas.microsoft.com/office/drawing/2010/main" w="9525">
                     <a:solidFill>
                       <a:srgbClr val="000000"/>
                     </a:solidFill>
@@ -10667,7 +10687,7 @@
               </a:ln>
               <a:extLst>
                 <a:ext uri="{91240B29-F687-4f45-9708-019B960494DF}">
-                  <a14:hiddenLine xmlns:a14="http://schemas.microsoft.com/office/drawing/2010/main" xmlns="" w="9525">
+                  <a14:hiddenLine xmlns="" xmlns:a14="http://schemas.microsoft.com/office/drawing/2010/main" w="9525">
                     <a:solidFill>
                       <a:srgbClr val="000000"/>
                     </a:solidFill>
@@ -10757,7 +10777,7 @@
               </a:ln>
               <a:extLst>
                 <a:ext uri="{91240B29-F687-4f45-9708-019B960494DF}">
-                  <a14:hiddenLine xmlns:a14="http://schemas.microsoft.com/office/drawing/2010/main" xmlns="" w="9525">
+                  <a14:hiddenLine xmlns="" xmlns:a14="http://schemas.microsoft.com/office/drawing/2010/main" w="9525">
                     <a:solidFill>
                       <a:srgbClr val="000000"/>
                     </a:solidFill>
@@ -10822,7 +10842,7 @@
               </a:ln>
               <a:extLst>
                 <a:ext uri="{91240B29-F687-4f45-9708-019B960494DF}">
-                  <a14:hiddenLine xmlns:a14="http://schemas.microsoft.com/office/drawing/2010/main" xmlns="" w="9525">
+                  <a14:hiddenLine xmlns="" xmlns:a14="http://schemas.microsoft.com/office/drawing/2010/main" w="9525">
                     <a:solidFill>
                       <a:srgbClr val="000000"/>
                     </a:solidFill>
@@ -10884,7 +10904,7 @@
               </a:ln>
               <a:extLst>
                 <a:ext uri="{91240B29-F687-4f45-9708-019B960494DF}">
-                  <a14:hiddenLine xmlns:a14="http://schemas.microsoft.com/office/drawing/2010/main" xmlns="" w="9525">
+                  <a14:hiddenLine xmlns="" xmlns:a14="http://schemas.microsoft.com/office/drawing/2010/main" w="9525">
                     <a:solidFill>
                       <a:srgbClr val="000000"/>
                     </a:solidFill>
@@ -10974,7 +10994,7 @@
               </a:ln>
               <a:extLst>
                 <a:ext uri="{91240B29-F687-4f45-9708-019B960494DF}">
-                  <a14:hiddenLine xmlns:a14="http://schemas.microsoft.com/office/drawing/2010/main" xmlns="" w="9525">
+                  <a14:hiddenLine xmlns="" xmlns:a14="http://schemas.microsoft.com/office/drawing/2010/main" w="9525">
                     <a:solidFill>
                       <a:srgbClr val="000000"/>
                     </a:solidFill>
@@ -11064,7 +11084,7 @@
               </a:ln>
               <a:extLst>
                 <a:ext uri="{91240B29-F687-4f45-9708-019B960494DF}">
-                  <a14:hiddenLine xmlns:a14="http://schemas.microsoft.com/office/drawing/2010/main" xmlns="" w="9525">
+                  <a14:hiddenLine xmlns="" xmlns:a14="http://schemas.microsoft.com/office/drawing/2010/main" w="9525">
                     <a:solidFill>
                       <a:srgbClr val="000000"/>
                     </a:solidFill>
@@ -11129,7 +11149,7 @@
               </a:ln>
               <a:extLst>
                 <a:ext uri="{91240B29-F687-4f45-9708-019B960494DF}">
-                  <a14:hiddenLine xmlns:a14="http://schemas.microsoft.com/office/drawing/2010/main" xmlns="" w="9525">
+                  <a14:hiddenLine xmlns="" xmlns:a14="http://schemas.microsoft.com/office/drawing/2010/main" w="9525">
                     <a:solidFill>
                       <a:srgbClr val="000000"/>
                     </a:solidFill>
@@ -11249,7 +11269,7 @@
               </a:ln>
               <a:extLst>
                 <a:ext uri="{91240B29-F687-4f45-9708-019B960494DF}">
-                  <a14:hiddenLine xmlns:a14="http://schemas.microsoft.com/office/drawing/2010/main" xmlns="" w="9525">
+                  <a14:hiddenLine xmlns="" xmlns:a14="http://schemas.microsoft.com/office/drawing/2010/main" w="9525">
                     <a:solidFill>
                       <a:srgbClr val="000000"/>
                     </a:solidFill>
@@ -11330,7 +11350,7 @@
               </a:ln>
               <a:extLst>
                 <a:ext uri="{91240B29-F687-4f45-9708-019B960494DF}">
-                  <a14:hiddenLine xmlns:a14="http://schemas.microsoft.com/office/drawing/2010/main" xmlns="" w="9525">
+                  <a14:hiddenLine xmlns="" xmlns:a14="http://schemas.microsoft.com/office/drawing/2010/main" w="9525">
                     <a:solidFill>
                       <a:srgbClr val="000000"/>
                     </a:solidFill>
@@ -11445,7 +11465,7 @@
               </a:ln>
               <a:extLst>
                 <a:ext uri="{91240B29-F687-4f45-9708-019B960494DF}">
-                  <a14:hiddenLine xmlns:a14="http://schemas.microsoft.com/office/drawing/2010/main" xmlns="" w="9525">
+                  <a14:hiddenLine xmlns="" xmlns:a14="http://schemas.microsoft.com/office/drawing/2010/main" w="9525">
                     <a:solidFill>
                       <a:srgbClr val="000000"/>
                     </a:solidFill>
@@ -11535,7 +11555,7 @@
               </a:ln>
               <a:extLst>
                 <a:ext uri="{91240B29-F687-4f45-9708-019B960494DF}">
-                  <a14:hiddenLine xmlns:a14="http://schemas.microsoft.com/office/drawing/2010/main" xmlns="" w="9525">
+                  <a14:hiddenLine xmlns="" xmlns:a14="http://schemas.microsoft.com/office/drawing/2010/main" w="9525">
                     <a:solidFill>
                       <a:srgbClr val="000000"/>
                     </a:solidFill>
@@ -11600,7 +11620,7 @@
               </a:ln>
               <a:extLst>
                 <a:ext uri="{91240B29-F687-4f45-9708-019B960494DF}">
-                  <a14:hiddenLine xmlns:a14="http://schemas.microsoft.com/office/drawing/2010/main" xmlns="" w="9525">
+                  <a14:hiddenLine xmlns="" xmlns:a14="http://schemas.microsoft.com/office/drawing/2010/main" w="9525">
                     <a:solidFill>
                       <a:srgbClr val="000000"/>
                     </a:solidFill>
@@ -11690,7 +11710,7 @@
               </a:ln>
               <a:extLst>
                 <a:ext uri="{91240B29-F687-4f45-9708-019B960494DF}">
-                  <a14:hiddenLine xmlns:a14="http://schemas.microsoft.com/office/drawing/2010/main" xmlns="" w="9525">
+                  <a14:hiddenLine xmlns="" xmlns:a14="http://schemas.microsoft.com/office/drawing/2010/main" w="9525">
                     <a:solidFill>
                       <a:srgbClr val="000000"/>
                     </a:solidFill>
@@ -11758,7 +11778,7 @@
               </a:ln>
               <a:extLst>
                 <a:ext uri="{91240B29-F687-4f45-9708-019B960494DF}">
-                  <a14:hiddenLine xmlns:a14="http://schemas.microsoft.com/office/drawing/2010/main" xmlns="" w="9525">
+                  <a14:hiddenLine xmlns="" xmlns:a14="http://schemas.microsoft.com/office/drawing/2010/main" w="9525">
                     <a:solidFill>
                       <a:srgbClr val="000000"/>
                     </a:solidFill>
@@ -11848,7 +11868,7 @@
               </a:ln>
               <a:extLst>
                 <a:ext uri="{91240B29-F687-4f45-9708-019B960494DF}">
-                  <a14:hiddenLine xmlns:a14="http://schemas.microsoft.com/office/drawing/2010/main" xmlns="" w="9525">
+                  <a14:hiddenLine xmlns="" xmlns:a14="http://schemas.microsoft.com/office/drawing/2010/main" w="9525">
                     <a:solidFill>
                       <a:srgbClr val="000000"/>
                     </a:solidFill>
@@ -11916,7 +11936,7 @@
               </a:ln>
               <a:extLst>
                 <a:ext uri="{91240B29-F687-4f45-9708-019B960494DF}">
-                  <a14:hiddenLine xmlns:a14="http://schemas.microsoft.com/office/drawing/2010/main" xmlns="" w="9525">
+                  <a14:hiddenLine xmlns="" xmlns:a14="http://schemas.microsoft.com/office/drawing/2010/main" w="9525">
                     <a:solidFill>
                       <a:srgbClr val="000000"/>
                     </a:solidFill>
@@ -12006,7 +12026,7 @@
               </a:ln>
               <a:extLst>
                 <a:ext uri="{91240B29-F687-4f45-9708-019B960494DF}">
-                  <a14:hiddenLine xmlns:a14="http://schemas.microsoft.com/office/drawing/2010/main" xmlns="" w="9525">
+                  <a14:hiddenLine xmlns="" xmlns:a14="http://schemas.microsoft.com/office/drawing/2010/main" w="9525">
                     <a:solidFill>
                       <a:srgbClr val="000000"/>
                     </a:solidFill>
@@ -12040,7 +12060,7 @@
               </a:ln>
               <a:extLst>
                 <a:ext uri="{91240B29-F687-4f45-9708-019B960494DF}">
-                  <a14:hiddenLine xmlns:a14="http://schemas.microsoft.com/office/drawing/2010/main" xmlns="" w="9525">
+                  <a14:hiddenLine xmlns="" xmlns:a14="http://schemas.microsoft.com/office/drawing/2010/main" w="9525">
                     <a:solidFill>
                       <a:srgbClr val="000000"/>
                     </a:solidFill>
@@ -12213,7 +12233,7 @@
             <a:fld id="{48A87A34-81AB-432B-8DAE-1953F412C126}" type="datetimeFigureOut">
               <a:rPr lang="en-US" dirty="0"/>
               <a:pPr/>
-              <a:t>2/21/2024</a:t>
+              <a:t>2/28/2024</a:t>
             </a:fld>
             <a:endParaRPr lang="en-US" dirty="0"/>
           </a:p>
@@ -12839,7 +12859,7 @@
           <p:cNvPr id="2" name="タイトル 1">
             <a:extLst>
               <a:ext uri="{FF2B5EF4-FFF2-40B4-BE49-F238E27FC236}">
-                <a16:creationId xmlns:a16="http://schemas.microsoft.com/office/drawing/2014/main" id="{7646C358-E4AE-415F-8020-B86F8D40B823}"/>
+                <a16:creationId xmlns:a16="http://schemas.microsoft.com/office/drawing/2014/main" id="{96E7166D-06A0-416B-BA62-64FB22BE9344}"/>
               </a:ext>
             </a:extLst>
           </p:cNvPr>
@@ -12850,12 +12870,7 @@
             <p:ph type="title"/>
           </p:nvPr>
         </p:nvSpPr>
-        <p:spPr>
-          <a:xfrm>
-            <a:off x="1141413" y="499985"/>
-            <a:ext cx="9905998" cy="1478570"/>
-          </a:xfrm>
-        </p:spPr>
+        <p:spPr/>
         <p:txBody>
           <a:bodyPr>
             <a:normAutofit/>
@@ -12863,26 +12878,12 @@
           <a:lstStyle/>
           <a:p>
             <a:r>
-              <a:rPr kumimoji="1" lang="en-US" altLang="ja-JP" sz="6000" u="sng" dirty="0">
+              <a:rPr lang="en-US" altLang="ja-JP" sz="6000" u="sng" dirty="0">
                 <a:latin typeface="Arial Black" panose="020B0A04020102020204" pitchFamily="34" charset="0"/>
               </a:rPr>
-              <a:t>Profile</a:t>
-            </a:r>
-            <a:r>
-              <a:rPr kumimoji="1" lang="ja-JP" altLang="en-US" sz="8800" dirty="0">
-                <a:latin typeface="Arial Black" panose="020B0A04020102020204" pitchFamily="34" charset="0"/>
-              </a:rPr>
-              <a:t>　</a:t>
-            </a:r>
-            <a:r>
-              <a:rPr kumimoji="1" lang="ja-JP" altLang="en-US" dirty="0"/>
-              <a:t>仲田伊織</a:t>
-            </a:r>
-            <a:r>
-              <a:rPr lang="ja-JP" altLang="en-US" sz="8800" dirty="0"/>
-              <a:t>　</a:t>
-            </a:r>
-            <a:endParaRPr kumimoji="1" lang="ja-JP" altLang="en-US" sz="8800" u="sng" dirty="0">
+              <a:t>Contents</a:t>
+            </a:r>
+            <a:endParaRPr kumimoji="1" lang="ja-JP" altLang="en-US" sz="6000" u="sng" dirty="0">
               <a:latin typeface="Arial Black" panose="020B0A04020102020204" pitchFamily="34" charset="0"/>
             </a:endParaRPr>
           </a:p>
@@ -12893,7 +12894,7 @@
           <p:cNvPr id="3" name="コンテンツ プレースホルダー 2">
             <a:extLst>
               <a:ext uri="{FF2B5EF4-FFF2-40B4-BE49-F238E27FC236}">
-                <a16:creationId xmlns:a16="http://schemas.microsoft.com/office/drawing/2014/main" id="{AA89D899-390C-4046-8645-01756F96D9A0}"/>
+                <a16:creationId xmlns:a16="http://schemas.microsoft.com/office/drawing/2014/main" id="{54CD94D7-B459-4042-8AB3-55860499A0F3}"/>
               </a:ext>
             </a:extLst>
           </p:cNvPr>
@@ -12904,12 +12905,7 @@
             <p:ph idx="1"/>
           </p:nvPr>
         </p:nvSpPr>
-        <p:spPr>
-          <a:xfrm>
-            <a:off x="1141412" y="2249487"/>
-            <a:ext cx="9905999" cy="1789113"/>
-          </a:xfrm>
-        </p:spPr>
+        <p:spPr/>
         <p:txBody>
           <a:bodyPr/>
           <a:lstStyle/>
@@ -12918,199 +12914,56 @@
               <a:buNone/>
             </a:pPr>
             <a:r>
-              <a:rPr lang="ja-JP" altLang="en-US" sz="1600" dirty="0"/>
-              <a:t>福岡情報</a:t>
-            </a:r>
-            <a:r>
-              <a:rPr lang="en-US" altLang="ja-JP" sz="1600" dirty="0"/>
-              <a:t>IT</a:t>
-            </a:r>
-            <a:r>
-              <a:rPr lang="ja-JP" altLang="en-US" sz="1600" dirty="0"/>
-              <a:t>クリエイター専門学校　</a:t>
-            </a:r>
-            <a:r>
-              <a:rPr kumimoji="1" lang="ja-JP" altLang="en-US" sz="1600" dirty="0"/>
-              <a:t>ゲームクリエイターコース</a:t>
-            </a:r>
-          </a:p>
-        </p:txBody>
-      </p:sp>
-      <p:pic>
-        <p:nvPicPr>
-          <p:cNvPr id="7" name="図 6">
-            <a:extLst>
-              <a:ext uri="{FF2B5EF4-FFF2-40B4-BE49-F238E27FC236}">
-                <a16:creationId xmlns:a16="http://schemas.microsoft.com/office/drawing/2014/main" id="{8B5BBFDA-1B09-4A58-8914-BCB8EE70B4DC}"/>
-              </a:ext>
-            </a:extLst>
-          </p:cNvPr>
-          <p:cNvPicPr>
-            <a:picLocks noChangeAspect="1"/>
-          </p:cNvPicPr>
-          <p:nvPr/>
-        </p:nvPicPr>
-        <p:blipFill>
-          <a:blip r:embed="rId2"/>
-          <a:stretch>
-            <a:fillRect/>
-          </a:stretch>
-        </p:blipFill>
-        <p:spPr>
-          <a:xfrm>
-            <a:off x="1354667" y="4845507"/>
-            <a:ext cx="499533" cy="499533"/>
-          </a:xfrm>
-          <a:prstGeom prst="rect">
-            <a:avLst/>
-          </a:prstGeom>
-        </p:spPr>
-      </p:pic>
-      <p:sp>
-        <p:nvSpPr>
-          <p:cNvPr id="8" name="テキスト ボックス 7">
-            <a:extLst>
-              <a:ext uri="{FF2B5EF4-FFF2-40B4-BE49-F238E27FC236}">
-                <a16:creationId xmlns:a16="http://schemas.microsoft.com/office/drawing/2014/main" id="{2C49E305-ED2B-4E05-9D63-B9FBF36F5B9C}"/>
-              </a:ext>
-            </a:extLst>
-          </p:cNvPr>
-          <p:cNvSpPr txBox="1"/>
-          <p:nvPr/>
-        </p:nvSpPr>
-        <p:spPr>
-          <a:xfrm>
-            <a:off x="1141412" y="3829844"/>
-            <a:ext cx="2126721" cy="1015663"/>
-          </a:xfrm>
-          <a:prstGeom prst="rect">
-            <a:avLst/>
-          </a:prstGeom>
-          <a:noFill/>
-        </p:spPr>
-        <p:txBody>
-          <a:bodyPr wrap="square" rtlCol="0">
-            <a:spAutoFit/>
-          </a:bodyPr>
-          <a:lstStyle/>
-          <a:p>
-            <a:r>
-              <a:rPr kumimoji="1" lang="en-US" altLang="ja-JP" sz="6000" u="sng" dirty="0"/>
-              <a:t>SKILLS</a:t>
-            </a:r>
-            <a:endParaRPr kumimoji="1" lang="ja-JP" altLang="en-US" sz="6000" u="sng" dirty="0"/>
-          </a:p>
-        </p:txBody>
-      </p:sp>
-      <p:pic>
-        <p:nvPicPr>
-          <p:cNvPr id="10" name="図 9">
-            <a:extLst>
-              <a:ext uri="{FF2B5EF4-FFF2-40B4-BE49-F238E27FC236}">
-                <a16:creationId xmlns:a16="http://schemas.microsoft.com/office/drawing/2014/main" id="{FB8A2A1C-CEB0-41A2-B311-4F01B4A65B71}"/>
-              </a:ext>
-            </a:extLst>
-          </p:cNvPr>
-          <p:cNvPicPr>
-            <a:picLocks noChangeAspect="1"/>
-          </p:cNvPicPr>
-          <p:nvPr/>
-        </p:nvPicPr>
-        <p:blipFill>
-          <a:blip r:embed="rId3"/>
-          <a:stretch>
-            <a:fillRect/>
-          </a:stretch>
-        </p:blipFill>
-        <p:spPr>
-          <a:xfrm>
-            <a:off x="1162133" y="5379448"/>
-            <a:ext cx="884599" cy="884599"/>
-          </a:xfrm>
-          <a:prstGeom prst="rect">
-            <a:avLst/>
-          </a:prstGeom>
-        </p:spPr>
-      </p:pic>
-      <p:sp>
-        <p:nvSpPr>
-          <p:cNvPr id="11" name="テキスト ボックス 10">
-            <a:extLst>
-              <a:ext uri="{FF2B5EF4-FFF2-40B4-BE49-F238E27FC236}">
-                <a16:creationId xmlns:a16="http://schemas.microsoft.com/office/drawing/2014/main" id="{A9B5B818-80CF-4B3D-8527-F82DE6982C4A}"/>
-              </a:ext>
-            </a:extLst>
-          </p:cNvPr>
-          <p:cNvSpPr txBox="1"/>
-          <p:nvPr/>
-        </p:nvSpPr>
-        <p:spPr>
-          <a:xfrm>
-            <a:off x="2204772" y="4910607"/>
-            <a:ext cx="1320800" cy="369332"/>
-          </a:xfrm>
-          <a:prstGeom prst="rect">
-            <a:avLst/>
-          </a:prstGeom>
-          <a:noFill/>
-        </p:spPr>
-        <p:txBody>
-          <a:bodyPr wrap="square" rtlCol="0">
-            <a:spAutoFit/>
-          </a:bodyPr>
-          <a:lstStyle/>
-          <a:p>
-            <a:r>
-              <a:rPr kumimoji="1" lang="en-US" altLang="ja-JP" dirty="0" err="1"/>
-              <a:t>VisualStudio</a:t>
-            </a:r>
-            <a:r>
               <a:rPr kumimoji="1" lang="en-US" altLang="ja-JP" dirty="0"/>
+              <a:t>1.</a:t>
+            </a:r>
+            <a:r>
+              <a:rPr kumimoji="1" lang="ja-JP" altLang="en-US" dirty="0"/>
+              <a:t>自己紹介</a:t>
+            </a:r>
+            <a:endParaRPr kumimoji="1" lang="en-US" altLang="ja-JP" dirty="0"/>
+          </a:p>
+          <a:p>
+            <a:pPr marL="0" indent="0">
+              <a:buNone/>
+            </a:pPr>
+            <a:r>
+              <a:rPr kumimoji="1" lang="ja-JP" altLang="en-US" dirty="0"/>
+              <a:t>２．</a:t>
+            </a:r>
+            <a:r>
+              <a:rPr kumimoji="1" lang="en-US" altLang="ja-JP" dirty="0"/>
+              <a:t>Avoidance</a:t>
+            </a:r>
+            <a:r>
+              <a:rPr lang="ja-JP" altLang="en-US" dirty="0"/>
               <a:t> </a:t>
             </a:r>
+            <a:r>
+              <a:rPr lang="en-US" altLang="ja-JP" dirty="0"/>
+              <a:t>of</a:t>
+            </a:r>
+            <a:r>
+              <a:rPr lang="ja-JP" altLang="en-US" dirty="0"/>
+              <a:t> </a:t>
+            </a:r>
+            <a:r>
+              <a:rPr lang="en-US" altLang="ja-JP" dirty="0"/>
+              <a:t>Shapes</a:t>
+            </a:r>
+          </a:p>
+          <a:p>
+            <a:pPr marL="0" indent="0">
+              <a:buNone/>
+            </a:pPr>
             <a:endParaRPr kumimoji="1" lang="ja-JP" altLang="en-US" dirty="0"/>
-          </a:p>
-        </p:txBody>
-      </p:sp>
-      <p:sp>
-        <p:nvSpPr>
-          <p:cNvPr id="12" name="テキスト ボックス 11">
-            <a:extLst>
-              <a:ext uri="{FF2B5EF4-FFF2-40B4-BE49-F238E27FC236}">
-                <a16:creationId xmlns:a16="http://schemas.microsoft.com/office/drawing/2014/main" id="{AD96919C-83BA-4C6D-917D-B436166E7870}"/>
-              </a:ext>
-            </a:extLst>
-          </p:cNvPr>
-          <p:cNvSpPr txBox="1"/>
-          <p:nvPr/>
-        </p:nvSpPr>
-        <p:spPr>
-          <a:xfrm>
-            <a:off x="2536691" y="5652824"/>
-            <a:ext cx="656961" cy="369332"/>
-          </a:xfrm>
-          <a:prstGeom prst="rect">
-            <a:avLst/>
-          </a:prstGeom>
-          <a:noFill/>
-        </p:spPr>
-        <p:txBody>
-          <a:bodyPr wrap="square" rtlCol="0">
-            <a:spAutoFit/>
-          </a:bodyPr>
-          <a:lstStyle/>
-          <a:p>
-            <a:r>
-              <a:rPr kumimoji="1" lang="en-US" altLang="ja-JP" dirty="0"/>
-              <a:t>Unity</a:t>
-            </a:r>
           </a:p>
         </p:txBody>
       </p:sp>
     </p:spTree>
     <p:extLst>
       <p:ext uri="{BB962C8B-B14F-4D97-AF65-F5344CB8AC3E}">
-        <p14:creationId xmlns:p14="http://schemas.microsoft.com/office/powerpoint/2010/main" val="2543484842"/>
+        <p14:creationId xmlns:p14="http://schemas.microsoft.com/office/powerpoint/2010/main" val="474468388"/>
       </p:ext>
     </p:extLst>
   </p:cSld>
@@ -13142,7 +12995,7 @@
           <p:cNvPr id="2" name="タイトル 1">
             <a:extLst>
               <a:ext uri="{FF2B5EF4-FFF2-40B4-BE49-F238E27FC236}">
-                <a16:creationId xmlns:a16="http://schemas.microsoft.com/office/drawing/2014/main" id="{96E7166D-06A0-416B-BA62-64FB22BE9344}"/>
+                <a16:creationId xmlns:a16="http://schemas.microsoft.com/office/drawing/2014/main" id="{7646C358-E4AE-415F-8020-B86F8D40B823}"/>
               </a:ext>
             </a:extLst>
           </p:cNvPr>
@@ -13153,7 +13006,12 @@
             <p:ph type="title"/>
           </p:nvPr>
         </p:nvSpPr>
-        <p:spPr/>
+        <p:spPr>
+          <a:xfrm>
+            <a:off x="1141413" y="499985"/>
+            <a:ext cx="9905998" cy="1478570"/>
+          </a:xfrm>
+        </p:spPr>
         <p:txBody>
           <a:bodyPr>
             <a:normAutofit/>
@@ -13161,12 +13019,12 @@
           <a:lstStyle/>
           <a:p>
             <a:r>
-              <a:rPr lang="en-US" altLang="ja-JP" sz="6000" u="sng" dirty="0">
+              <a:rPr kumimoji="1" lang="en-US" altLang="ja-JP" sz="6000" u="sng" dirty="0">
                 <a:latin typeface="Arial Black" panose="020B0A04020102020204" pitchFamily="34" charset="0"/>
               </a:rPr>
-              <a:t>Contents</a:t>
-            </a:r>
-            <a:endParaRPr kumimoji="1" lang="ja-JP" altLang="en-US" sz="6000" u="sng" dirty="0">
+              <a:t>Profile</a:t>
+            </a:r>
+            <a:endParaRPr kumimoji="1" lang="ja-JP" altLang="en-US" sz="8800" u="sng" dirty="0">
               <a:latin typeface="Arial Black" panose="020B0A04020102020204" pitchFamily="34" charset="0"/>
             </a:endParaRPr>
           </a:p>
@@ -13177,7 +13035,7 @@
           <p:cNvPr id="3" name="コンテンツ プレースホルダー 2">
             <a:extLst>
               <a:ext uri="{FF2B5EF4-FFF2-40B4-BE49-F238E27FC236}">
-                <a16:creationId xmlns:a16="http://schemas.microsoft.com/office/drawing/2014/main" id="{54CD94D7-B459-4042-8AB3-55860499A0F3}"/>
+                <a16:creationId xmlns:a16="http://schemas.microsoft.com/office/drawing/2014/main" id="{AA89D899-390C-4046-8645-01756F96D9A0}"/>
               </a:ext>
             </a:extLst>
           </p:cNvPr>
@@ -13188,7 +13046,12 @@
             <p:ph idx="1"/>
           </p:nvPr>
         </p:nvSpPr>
-        <p:spPr/>
+        <p:spPr>
+          <a:xfrm>
+            <a:off x="1141412" y="1947393"/>
+            <a:ext cx="8679921" cy="2091207"/>
+          </a:xfrm>
+        </p:spPr>
         <p:txBody>
           <a:bodyPr/>
           <a:lstStyle/>
@@ -13197,56 +13060,903 @@
               <a:buNone/>
             </a:pPr>
             <a:r>
+              <a:rPr lang="ja-JP" altLang="en-US" sz="1600" dirty="0"/>
+              <a:t>名前</a:t>
+            </a:r>
+            <a:r>
+              <a:rPr lang="en-US" altLang="ja-JP" sz="1600" dirty="0"/>
+              <a:t>: </a:t>
+            </a:r>
+            <a:r>
+              <a:rPr lang="ja-JP" altLang="en-US" sz="1600" dirty="0"/>
+              <a:t>仲田 伊織</a:t>
+            </a:r>
+            <a:endParaRPr lang="en-US" altLang="ja-JP" sz="1600" dirty="0"/>
+          </a:p>
+          <a:p>
+            <a:pPr marL="0" indent="0">
+              <a:buNone/>
+            </a:pPr>
+            <a:r>
+              <a:rPr lang="ja-JP" altLang="en-US" sz="1600" dirty="0"/>
+              <a:t>学校</a:t>
+            </a:r>
+            <a:r>
+              <a:rPr lang="en-US" altLang="ja-JP" sz="1600" dirty="0"/>
+              <a:t>: </a:t>
+            </a:r>
+            <a:r>
+              <a:rPr lang="ja-JP" altLang="en-US" sz="1600" dirty="0"/>
+              <a:t>福岡情報</a:t>
+            </a:r>
+            <a:r>
+              <a:rPr lang="en-US" altLang="ja-JP" sz="1600" dirty="0"/>
+              <a:t>IT</a:t>
+            </a:r>
+            <a:r>
+              <a:rPr lang="ja-JP" altLang="en-US" sz="1600" dirty="0"/>
+              <a:t>クリエイター専門学校　</a:t>
+            </a:r>
+            <a:r>
+              <a:rPr kumimoji="1" lang="ja-JP" altLang="en-US" sz="1600" dirty="0"/>
+              <a:t>ゲームクリエイターコース　</a:t>
+            </a:r>
+            <a:r>
+              <a:rPr kumimoji="1" lang="en-US" altLang="ja-JP" sz="1600" dirty="0"/>
+              <a:t>26</a:t>
+            </a:r>
+            <a:r>
+              <a:rPr kumimoji="1" lang="ja-JP" altLang="en-US" sz="1600" dirty="0"/>
+              <a:t>卒予定</a:t>
+            </a:r>
+            <a:endParaRPr kumimoji="1" lang="en-US" altLang="ja-JP" sz="1600" dirty="0"/>
+          </a:p>
+          <a:p>
+            <a:pPr marL="0" indent="0">
+              <a:buNone/>
+            </a:pPr>
+            <a:r>
+              <a:rPr lang="ja-JP" altLang="en-US" sz="1600" dirty="0"/>
+              <a:t>趣味</a:t>
+            </a:r>
+            <a:r>
+              <a:rPr lang="en-US" altLang="ja-JP" sz="1600" dirty="0"/>
+              <a:t>: </a:t>
+            </a:r>
+          </a:p>
+          <a:p>
+            <a:pPr marL="0" indent="0">
+              <a:buNone/>
+            </a:pPr>
+            <a:r>
+              <a:rPr kumimoji="1" lang="ja-JP" altLang="en-US" sz="1600" dirty="0"/>
+              <a:t>希望職種</a:t>
+            </a:r>
+            <a:r>
+              <a:rPr kumimoji="1" lang="en-US" altLang="ja-JP" sz="1600" dirty="0"/>
+              <a:t>: </a:t>
+            </a:r>
+            <a:r>
+              <a:rPr kumimoji="1" lang="ja-JP" altLang="en-US" sz="1600" dirty="0"/>
+              <a:t>プログラマー</a:t>
+            </a:r>
+          </a:p>
+        </p:txBody>
+      </p:sp>
+      <p:pic>
+        <p:nvPicPr>
+          <p:cNvPr id="7" name="図 6">
+            <a:extLst>
+              <a:ext uri="{FF2B5EF4-FFF2-40B4-BE49-F238E27FC236}">
+                <a16:creationId xmlns:a16="http://schemas.microsoft.com/office/drawing/2014/main" id="{8B5BBFDA-1B09-4A58-8914-BCB8EE70B4DC}"/>
+              </a:ext>
+            </a:extLst>
+          </p:cNvPr>
+          <p:cNvPicPr>
+            <a:picLocks noChangeAspect="1"/>
+          </p:cNvPicPr>
+          <p:nvPr/>
+        </p:nvPicPr>
+        <p:blipFill>
+          <a:blip r:embed="rId2"/>
+          <a:stretch>
+            <a:fillRect/>
+          </a:stretch>
+        </p:blipFill>
+        <p:spPr>
+          <a:xfrm>
+            <a:off x="1292701" y="5723891"/>
+            <a:ext cx="581420" cy="581420"/>
+          </a:xfrm>
+          <a:prstGeom prst="rect">
+            <a:avLst/>
+          </a:prstGeom>
+        </p:spPr>
+      </p:pic>
+      <p:sp>
+        <p:nvSpPr>
+          <p:cNvPr id="8" name="テキスト ボックス 7">
+            <a:extLst>
+              <a:ext uri="{FF2B5EF4-FFF2-40B4-BE49-F238E27FC236}">
+                <a16:creationId xmlns:a16="http://schemas.microsoft.com/office/drawing/2014/main" id="{2C49E305-ED2B-4E05-9D63-B9FBF36F5B9C}"/>
+              </a:ext>
+            </a:extLst>
+          </p:cNvPr>
+          <p:cNvSpPr txBox="1"/>
+          <p:nvPr/>
+        </p:nvSpPr>
+        <p:spPr>
+          <a:xfrm>
+            <a:off x="1141412" y="4405370"/>
+            <a:ext cx="3295121" cy="1015663"/>
+          </a:xfrm>
+          <a:prstGeom prst="rect">
+            <a:avLst/>
+          </a:prstGeom>
+          <a:noFill/>
+        </p:spPr>
+        <p:txBody>
+          <a:bodyPr wrap="square" rtlCol="0">
+            <a:spAutoFit/>
+          </a:bodyPr>
+          <a:lstStyle/>
+          <a:p>
+            <a:r>
+              <a:rPr kumimoji="1" lang="en-US" altLang="ja-JP" sz="6000" u="sng" dirty="0">
+                <a:latin typeface="Arial Black" panose="020B0A04020102020204" pitchFamily="34" charset="0"/>
+              </a:rPr>
+              <a:t>SKILLS</a:t>
+            </a:r>
+            <a:endParaRPr kumimoji="1" lang="ja-JP" altLang="en-US" sz="6000" u="sng" dirty="0">
+              <a:latin typeface="Arial Black" panose="020B0A04020102020204" pitchFamily="34" charset="0"/>
+            </a:endParaRPr>
+          </a:p>
+        </p:txBody>
+      </p:sp>
+      <p:pic>
+        <p:nvPicPr>
+          <p:cNvPr id="1026" name="Picture 2">
+            <a:extLst>
+              <a:ext uri="{FF2B5EF4-FFF2-40B4-BE49-F238E27FC236}">
+                <a16:creationId xmlns:a16="http://schemas.microsoft.com/office/drawing/2014/main" id="{7C9A9AA1-45E0-486A-BA70-7521CB370345}"/>
+              </a:ext>
+            </a:extLst>
+          </p:cNvPr>
+          <p:cNvPicPr>
+            <a:picLocks noChangeAspect="1" noChangeArrowheads="1"/>
+          </p:cNvPicPr>
+          <p:nvPr/>
+        </p:nvPicPr>
+        <p:blipFill>
+          <a:blip r:embed="rId3">
+            <a:extLst>
+              <a:ext uri="{28A0092B-C50C-407E-A947-70E740481C1C}">
+                <a14:useLocalDpi xmlns:a14="http://schemas.microsoft.com/office/drawing/2010/main" val="0"/>
+              </a:ext>
+            </a:extLst>
+          </a:blip>
+          <a:srcRect/>
+          <a:stretch>
+            <a:fillRect/>
+          </a:stretch>
+        </p:blipFill>
+        <p:spPr bwMode="auto">
+          <a:xfrm>
+            <a:off x="3650220" y="5657442"/>
+            <a:ext cx="680199" cy="663309"/>
+          </a:xfrm>
+          <a:prstGeom prst="rect">
+            <a:avLst/>
+          </a:prstGeom>
+          <a:noFill/>
+          <a:extLst>
+            <a:ext uri="{909E8E84-426E-40DD-AFC4-6F175D3DCCD1}">
+              <a14:hiddenFill xmlns:a14="http://schemas.microsoft.com/office/drawing/2010/main">
+                <a:solidFill>
+                  <a:srgbClr val="FFFFFF"/>
+                </a:solidFill>
+              </a14:hiddenFill>
+            </a:ext>
+          </a:extLst>
+        </p:spPr>
+      </p:pic>
+      <p:pic>
+        <p:nvPicPr>
+          <p:cNvPr id="1028" name="Picture 4" descr="Unity (ゲームエンジン) - Wikipedia">
+            <a:extLst>
+              <a:ext uri="{FF2B5EF4-FFF2-40B4-BE49-F238E27FC236}">
+                <a16:creationId xmlns:a16="http://schemas.microsoft.com/office/drawing/2014/main" id="{AA523747-0473-40E9-95BC-507A81CF9056}"/>
+              </a:ext>
+            </a:extLst>
+          </p:cNvPr>
+          <p:cNvPicPr>
+            <a:picLocks noChangeAspect="1" noChangeArrowheads="1"/>
+          </p:cNvPicPr>
+          <p:nvPr/>
+        </p:nvPicPr>
+        <p:blipFill rotWithShape="1">
+          <a:blip r:embed="rId4">
+            <a:extLst>
+              <a:ext uri="{28A0092B-C50C-407E-A947-70E740481C1C}">
+                <a14:useLocalDpi xmlns:a14="http://schemas.microsoft.com/office/drawing/2010/main" val="0"/>
+              </a:ext>
+            </a:extLst>
+          </a:blip>
+          <a:srcRect r="65763"/>
+          <a:stretch/>
+        </p:blipFill>
+        <p:spPr bwMode="auto">
+          <a:xfrm>
+            <a:off x="2868250" y="5642002"/>
+            <a:ext cx="616560" cy="663309"/>
+          </a:xfrm>
+          <a:prstGeom prst="rect">
+            <a:avLst/>
+          </a:prstGeom>
+          <a:noFill/>
+          <a:extLst>
+            <a:ext uri="{909E8E84-426E-40DD-AFC4-6F175D3DCCD1}">
+              <a14:hiddenFill xmlns:a14="http://schemas.microsoft.com/office/drawing/2010/main">
+                <a:solidFill>
+                  <a:srgbClr val="FFFFFF"/>
+                </a:solidFill>
+              </a14:hiddenFill>
+            </a:ext>
+          </a:extLst>
+        </p:spPr>
+      </p:pic>
+      <p:pic>
+        <p:nvPicPr>
+          <p:cNvPr id="1030" name="Picture 6" descr="Github ロゴマーク - ダウンロード 無料のアイコン">
+            <a:extLst>
+              <a:ext uri="{FF2B5EF4-FFF2-40B4-BE49-F238E27FC236}">
+                <a16:creationId xmlns:a16="http://schemas.microsoft.com/office/drawing/2014/main" id="{9F269D09-05B4-4131-91F4-9A815E1A5FC9}"/>
+              </a:ext>
+            </a:extLst>
+          </p:cNvPr>
+          <p:cNvPicPr>
+            <a:picLocks noChangeAspect="1" noChangeArrowheads="1"/>
+          </p:cNvPicPr>
+          <p:nvPr/>
+        </p:nvPicPr>
+        <p:blipFill>
+          <a:blip r:embed="rId5">
+            <a:extLst>
+              <a:ext uri="{28A0092B-C50C-407E-A947-70E740481C1C}">
+                <a14:useLocalDpi xmlns:a14="http://schemas.microsoft.com/office/drawing/2010/main" val="0"/>
+              </a:ext>
+            </a:extLst>
+          </a:blip>
+          <a:srcRect/>
+          <a:stretch>
+            <a:fillRect/>
+          </a:stretch>
+        </p:blipFill>
+        <p:spPr bwMode="auto">
+          <a:xfrm>
+            <a:off x="2039531" y="5642002"/>
+            <a:ext cx="663309" cy="663309"/>
+          </a:xfrm>
+          <a:prstGeom prst="rect">
+            <a:avLst/>
+          </a:prstGeom>
+          <a:noFill/>
+          <a:extLst>
+            <a:ext uri="{909E8E84-426E-40DD-AFC4-6F175D3DCCD1}">
+              <a14:hiddenFill xmlns:a14="http://schemas.microsoft.com/office/drawing/2010/main">
+                <a:solidFill>
+                  <a:srgbClr val="FFFFFF"/>
+                </a:solidFill>
+              </a14:hiddenFill>
+            </a:ext>
+          </a:extLst>
+        </p:spPr>
+      </p:pic>
+    </p:spTree>
+    <p:extLst>
+      <p:ext uri="{BB962C8B-B14F-4D97-AF65-F5344CB8AC3E}">
+        <p14:creationId xmlns:p14="http://schemas.microsoft.com/office/powerpoint/2010/main" val="2543484842"/>
+      </p:ext>
+    </p:extLst>
+  </p:cSld>
+  <p:clrMapOvr>
+    <a:masterClrMapping/>
+  </p:clrMapOvr>
+</p:sld>
+</file>
+
+<file path=ppt/slides/slide4.xml><?xml version="1.0" encoding="utf-8"?>
+<p:sld xmlns:a="http://schemas.openxmlformats.org/drawingml/2006/main" xmlns:r="http://schemas.openxmlformats.org/officeDocument/2006/relationships" xmlns:p="http://schemas.openxmlformats.org/presentationml/2006/main" show="0">
+  <p:cSld>
+    <p:spTree>
+      <p:nvGrpSpPr>
+        <p:cNvPr id="1" name=""/>
+        <p:cNvGrpSpPr/>
+        <p:nvPr/>
+      </p:nvGrpSpPr>
+      <p:grpSpPr>
+        <a:xfrm>
+          <a:off x="0" y="0"/>
+          <a:ext cx="0" cy="0"/>
+          <a:chOff x="0" y="0"/>
+          <a:chExt cx="0" cy="0"/>
+        </a:xfrm>
+      </p:grpSpPr>
+      <p:sp>
+        <p:nvSpPr>
+          <p:cNvPr id="2" name="タイトル 1">
+            <a:extLst>
+              <a:ext uri="{FF2B5EF4-FFF2-40B4-BE49-F238E27FC236}">
+                <a16:creationId xmlns:a16="http://schemas.microsoft.com/office/drawing/2014/main" id="{26F3D8BF-6C11-4E58-A8F5-864615D0697C}"/>
+              </a:ext>
+            </a:extLst>
+          </p:cNvPr>
+          <p:cNvSpPr>
+            <a:spLocks noGrp="1"/>
+          </p:cNvSpPr>
+          <p:nvPr>
+            <p:ph type="title"/>
+          </p:nvPr>
+        </p:nvSpPr>
+        <p:spPr>
+          <a:xfrm>
+            <a:off x="1141413" y="618518"/>
+            <a:ext cx="9905998" cy="1478570"/>
+          </a:xfrm>
+        </p:spPr>
+        <p:txBody>
+          <a:bodyPr/>
+          <a:lstStyle/>
+          <a:p>
+            <a:r>
+              <a:rPr kumimoji="1" lang="ja-JP" altLang="en-US" dirty="0"/>
+              <a:t>らびっとじゃんぷ</a:t>
+            </a:r>
+          </a:p>
+        </p:txBody>
+      </p:sp>
+      <p:pic>
+        <p:nvPicPr>
+          <p:cNvPr id="5" name="コンテンツ プレースホルダー 4">
+            <a:extLst>
+              <a:ext uri="{FF2B5EF4-FFF2-40B4-BE49-F238E27FC236}">
+                <a16:creationId xmlns:a16="http://schemas.microsoft.com/office/drawing/2014/main" id="{7E817289-6A8F-4D20-BAD8-F11A35CFEE87}"/>
+              </a:ext>
+            </a:extLst>
+          </p:cNvPr>
+          <p:cNvPicPr>
+            <a:picLocks noGrp="1" noChangeAspect="1"/>
+          </p:cNvPicPr>
+          <p:nvPr>
+            <p:ph idx="1"/>
+          </p:nvPr>
+        </p:nvPicPr>
+        <p:blipFill>
+          <a:blip r:embed="rId2"/>
+          <a:stretch>
+            <a:fillRect/>
+          </a:stretch>
+        </p:blipFill>
+        <p:spPr>
+          <a:xfrm>
+            <a:off x="1141412" y="4613086"/>
+            <a:ext cx="3057919" cy="1719382"/>
+          </a:xfrm>
+        </p:spPr>
+      </p:pic>
+      <p:pic>
+        <p:nvPicPr>
+          <p:cNvPr id="7" name="図 6">
+            <a:extLst>
+              <a:ext uri="{FF2B5EF4-FFF2-40B4-BE49-F238E27FC236}">
+                <a16:creationId xmlns:a16="http://schemas.microsoft.com/office/drawing/2014/main" id="{E0A46076-DEEB-41E2-A1A0-FC9A384B54E4}"/>
+              </a:ext>
+            </a:extLst>
+          </p:cNvPr>
+          <p:cNvPicPr>
+            <a:picLocks noChangeAspect="1"/>
+          </p:cNvPicPr>
+          <p:nvPr/>
+        </p:nvPicPr>
+        <p:blipFill>
+          <a:blip r:embed="rId3"/>
+          <a:stretch>
+            <a:fillRect/>
+          </a:stretch>
+        </p:blipFill>
+        <p:spPr>
+          <a:xfrm>
+            <a:off x="1141412" y="2097088"/>
+            <a:ext cx="4268787" cy="2400220"/>
+          </a:xfrm>
+          <a:prstGeom prst="rect">
+            <a:avLst/>
+          </a:prstGeom>
+        </p:spPr>
+      </p:pic>
+      <p:pic>
+        <p:nvPicPr>
+          <p:cNvPr id="9" name="図 8">
+            <a:extLst>
+              <a:ext uri="{FF2B5EF4-FFF2-40B4-BE49-F238E27FC236}">
+                <a16:creationId xmlns:a16="http://schemas.microsoft.com/office/drawing/2014/main" id="{B74E3915-1B5B-49A6-99C1-8683EE3C3E65}"/>
+              </a:ext>
+            </a:extLst>
+          </p:cNvPr>
+          <p:cNvPicPr>
+            <a:picLocks noChangeAspect="1"/>
+          </p:cNvPicPr>
+          <p:nvPr/>
+        </p:nvPicPr>
+        <p:blipFill>
+          <a:blip r:embed="rId4"/>
+          <a:stretch>
+            <a:fillRect/>
+          </a:stretch>
+        </p:blipFill>
+        <p:spPr>
+          <a:xfrm>
+            <a:off x="4275668" y="4613086"/>
+            <a:ext cx="3057919" cy="1719382"/>
+          </a:xfrm>
+          <a:prstGeom prst="rect">
+            <a:avLst/>
+          </a:prstGeom>
+        </p:spPr>
+      </p:pic>
+    </p:spTree>
+    <p:extLst>
+      <p:ext uri="{BB962C8B-B14F-4D97-AF65-F5344CB8AC3E}">
+        <p14:creationId xmlns:p14="http://schemas.microsoft.com/office/powerpoint/2010/main" val="1866874627"/>
+      </p:ext>
+    </p:extLst>
+  </p:cSld>
+  <p:clrMapOvr>
+    <a:masterClrMapping/>
+  </p:clrMapOvr>
+</p:sld>
+</file>
+
+<file path=ppt/slides/slide5.xml><?xml version="1.0" encoding="utf-8"?>
+<p:sld xmlns:a="http://schemas.openxmlformats.org/drawingml/2006/main" xmlns:r="http://schemas.openxmlformats.org/officeDocument/2006/relationships" xmlns:p="http://schemas.openxmlformats.org/presentationml/2006/main">
+  <p:cSld>
+    <p:spTree>
+      <p:nvGrpSpPr>
+        <p:cNvPr id="1" name=""/>
+        <p:cNvGrpSpPr/>
+        <p:nvPr/>
+      </p:nvGrpSpPr>
+      <p:grpSpPr>
+        <a:xfrm>
+          <a:off x="0" y="0"/>
+          <a:ext cx="0" cy="0"/>
+          <a:chOff x="0" y="0"/>
+          <a:chExt cx="0" cy="0"/>
+        </a:xfrm>
+      </p:grpSpPr>
+      <p:pic>
+        <p:nvPicPr>
+          <p:cNvPr id="5" name="コンテンツ プレースホルダー 4">
+            <a:extLst>
+              <a:ext uri="{FF2B5EF4-FFF2-40B4-BE49-F238E27FC236}">
+                <a16:creationId xmlns:a16="http://schemas.microsoft.com/office/drawing/2014/main" id="{270B7CF1-57A3-4E60-AE34-F73357D03AFF}"/>
+              </a:ext>
+            </a:extLst>
+          </p:cNvPr>
+          <p:cNvPicPr>
+            <a:picLocks noGrp="1" noChangeAspect="1"/>
+          </p:cNvPicPr>
+          <p:nvPr>
+            <p:ph idx="1"/>
+          </p:nvPr>
+        </p:nvPicPr>
+        <p:blipFill>
+          <a:blip r:embed="rId2"/>
+          <a:stretch>
+            <a:fillRect/>
+          </a:stretch>
+        </p:blipFill>
+        <p:spPr>
+          <a:xfrm>
+            <a:off x="592178" y="2166571"/>
+            <a:ext cx="6039833" cy="3396030"/>
+          </a:xfrm>
+        </p:spPr>
+      </p:pic>
+      <p:sp>
+        <p:nvSpPr>
+          <p:cNvPr id="6" name="テキスト ボックス 5">
+            <a:extLst>
+              <a:ext uri="{FF2B5EF4-FFF2-40B4-BE49-F238E27FC236}">
+                <a16:creationId xmlns:a16="http://schemas.microsoft.com/office/drawing/2014/main" id="{47E66DAD-8775-429E-ACDE-41FA97C5FCAE}"/>
+              </a:ext>
+            </a:extLst>
+          </p:cNvPr>
+          <p:cNvSpPr txBox="1"/>
+          <p:nvPr/>
+        </p:nvSpPr>
+        <p:spPr>
+          <a:xfrm>
+            <a:off x="1071278" y="524933"/>
+            <a:ext cx="8726150" cy="923330"/>
+          </a:xfrm>
+          <a:prstGeom prst="rect">
+            <a:avLst/>
+          </a:prstGeom>
+          <a:noFill/>
+        </p:spPr>
+        <p:txBody>
+          <a:bodyPr wrap="square" rtlCol="0">
+            <a:spAutoFit/>
+          </a:bodyPr>
+          <a:lstStyle/>
+          <a:p>
+            <a:r>
+              <a:rPr kumimoji="1" lang="en-US" altLang="ja-JP" sz="5400" dirty="0">
+                <a:latin typeface="Arial Black" panose="020B0A04020102020204" pitchFamily="34" charset="0"/>
+              </a:rPr>
+              <a:t>Avoidance of Shapes</a:t>
+            </a:r>
+            <a:endParaRPr kumimoji="1" lang="ja-JP" altLang="en-US" sz="5400" dirty="0">
+              <a:latin typeface="Arial Black" panose="020B0A04020102020204" pitchFamily="34" charset="0"/>
+            </a:endParaRPr>
+          </a:p>
+        </p:txBody>
+      </p:sp>
+      <p:sp>
+        <p:nvSpPr>
+          <p:cNvPr id="13" name="テキスト ボックス 12">
+            <a:extLst>
+              <a:ext uri="{FF2B5EF4-FFF2-40B4-BE49-F238E27FC236}">
+                <a16:creationId xmlns:a16="http://schemas.microsoft.com/office/drawing/2014/main" id="{28665956-EAA6-4C5F-B212-873389640902}"/>
+              </a:ext>
+            </a:extLst>
+          </p:cNvPr>
+          <p:cNvSpPr txBox="1"/>
+          <p:nvPr/>
+        </p:nvSpPr>
+        <p:spPr>
+          <a:xfrm>
+            <a:off x="9164382" y="910398"/>
+            <a:ext cx="1996179" cy="383729"/>
+          </a:xfrm>
+          <a:prstGeom prst="rect">
+            <a:avLst/>
+          </a:prstGeom>
+          <a:noFill/>
+        </p:spPr>
+        <p:txBody>
+          <a:bodyPr wrap="square" rtlCol="0">
+            <a:spAutoFit/>
+          </a:bodyPr>
+          <a:lstStyle/>
+          <a:p>
+            <a:r>
+              <a:rPr kumimoji="1" lang="ja-JP" altLang="en-US" dirty="0"/>
+              <a:t>ジャンル</a:t>
+            </a:r>
+            <a:r>
               <a:rPr kumimoji="1" lang="en-US" altLang="ja-JP" dirty="0"/>
-              <a:t>1.</a:t>
+              <a:t>:</a:t>
             </a:r>
             <a:r>
               <a:rPr kumimoji="1" lang="ja-JP" altLang="en-US" dirty="0"/>
-              <a:t>自己紹介</a:t>
-            </a:r>
-            <a:endParaRPr kumimoji="1" lang="en-US" altLang="ja-JP" dirty="0"/>
-          </a:p>
-          <a:p>
-            <a:pPr marL="0" indent="0">
-              <a:buNone/>
-            </a:pPr>
-            <a:r>
-              <a:rPr kumimoji="1" lang="ja-JP" altLang="en-US" dirty="0"/>
-              <a:t>２．</a:t>
-            </a:r>
-            <a:r>
-              <a:rPr kumimoji="1" lang="en-US" altLang="ja-JP" dirty="0"/>
-              <a:t>Avoidance</a:t>
-            </a:r>
-            <a:r>
-              <a:rPr lang="ja-JP" altLang="en-US" dirty="0"/>
+              <a:t>アクション</a:t>
+            </a:r>
+          </a:p>
+        </p:txBody>
+      </p:sp>
+      <p:sp>
+        <p:nvSpPr>
+          <p:cNvPr id="17" name="テキスト ボックス 16">
+            <a:extLst>
+              <a:ext uri="{FF2B5EF4-FFF2-40B4-BE49-F238E27FC236}">
+                <a16:creationId xmlns:a16="http://schemas.microsoft.com/office/drawing/2014/main" id="{118C8AB5-A7DA-49B7-8FC5-71D5FE5E02A0}"/>
+              </a:ext>
+            </a:extLst>
+          </p:cNvPr>
+          <p:cNvSpPr txBox="1"/>
+          <p:nvPr/>
+        </p:nvSpPr>
+        <p:spPr>
+          <a:xfrm>
+            <a:off x="6903782" y="1785042"/>
+            <a:ext cx="1996179" cy="584775"/>
+          </a:xfrm>
+          <a:prstGeom prst="rect">
+            <a:avLst/>
+          </a:prstGeom>
+          <a:noFill/>
+        </p:spPr>
+        <p:txBody>
+          <a:bodyPr wrap="square" rtlCol="0">
+            <a:spAutoFit/>
+          </a:bodyPr>
+          <a:lstStyle/>
+          <a:p>
+            <a:r>
+              <a:rPr kumimoji="1" lang="ja-JP" altLang="en-US" sz="3200" dirty="0"/>
+              <a:t>作品内容</a:t>
+            </a:r>
+          </a:p>
+        </p:txBody>
+      </p:sp>
+      <p:sp>
+        <p:nvSpPr>
+          <p:cNvPr id="18" name="テキスト ボックス 17">
+            <a:extLst>
+              <a:ext uri="{FF2B5EF4-FFF2-40B4-BE49-F238E27FC236}">
+                <a16:creationId xmlns:a16="http://schemas.microsoft.com/office/drawing/2014/main" id="{D61038C4-0C57-4361-A6E9-3083E6718C1C}"/>
+              </a:ext>
+            </a:extLst>
+          </p:cNvPr>
+          <p:cNvSpPr txBox="1"/>
+          <p:nvPr/>
+        </p:nvSpPr>
+        <p:spPr>
+          <a:xfrm>
+            <a:off x="7214087" y="2369817"/>
+            <a:ext cx="4977913" cy="707886"/>
+          </a:xfrm>
+          <a:prstGeom prst="rect">
+            <a:avLst/>
+          </a:prstGeom>
+          <a:noFill/>
+        </p:spPr>
+        <p:txBody>
+          <a:bodyPr wrap="square" rtlCol="0">
+            <a:spAutoFit/>
+          </a:bodyPr>
+          <a:lstStyle/>
+          <a:p>
+            <a:r>
+              <a:rPr kumimoji="1" lang="ja-JP" altLang="en-US" sz="2000" dirty="0"/>
+              <a:t>音楽のリズムに合わせて出てくる</a:t>
+            </a:r>
+            <a:endParaRPr kumimoji="1" lang="en-US" altLang="ja-JP" sz="2000" dirty="0"/>
+          </a:p>
+          <a:p>
+            <a:r>
+              <a:rPr kumimoji="1" lang="ja-JP" altLang="en-US" sz="2000" dirty="0"/>
+              <a:t>敵をダッシュを駆使して避け続けるゲーム</a:t>
+            </a:r>
+          </a:p>
+        </p:txBody>
+      </p:sp>
+      <p:sp>
+        <p:nvSpPr>
+          <p:cNvPr id="19" name="テキスト ボックス 18">
+            <a:extLst>
+              <a:ext uri="{FF2B5EF4-FFF2-40B4-BE49-F238E27FC236}">
+                <a16:creationId xmlns:a16="http://schemas.microsoft.com/office/drawing/2014/main" id="{D96BDC4D-0044-45A6-B5D6-22ED9C4F3984}"/>
+              </a:ext>
+            </a:extLst>
+          </p:cNvPr>
+          <p:cNvSpPr txBox="1"/>
+          <p:nvPr/>
+        </p:nvSpPr>
+        <p:spPr>
+          <a:xfrm>
+            <a:off x="7033251" y="3662478"/>
+            <a:ext cx="4164625" cy="1569660"/>
+          </a:xfrm>
+          <a:prstGeom prst="rect">
+            <a:avLst/>
+          </a:prstGeom>
+          <a:noFill/>
+        </p:spPr>
+        <p:txBody>
+          <a:bodyPr wrap="square" rtlCol="0">
+            <a:spAutoFit/>
+          </a:bodyPr>
+          <a:lstStyle/>
+          <a:p>
+            <a:r>
+              <a:rPr kumimoji="1" lang="ja-JP" altLang="en-US" sz="2400" dirty="0"/>
+              <a:t>制作期間</a:t>
+            </a:r>
+            <a:r>
+              <a:rPr kumimoji="1" lang="en-US" altLang="ja-JP" sz="2400" dirty="0"/>
+              <a:t>:</a:t>
+            </a:r>
+            <a:r>
+              <a:rPr kumimoji="1" lang="ja-JP" altLang="en-US" sz="2400" dirty="0"/>
               <a:t> </a:t>
             </a:r>
             <a:r>
-              <a:rPr lang="en-US" altLang="ja-JP" dirty="0"/>
-              <a:t>of</a:t>
-            </a:r>
-            <a:r>
-              <a:rPr lang="ja-JP" altLang="en-US" dirty="0"/>
-              <a:t> </a:t>
-            </a:r>
-            <a:r>
-              <a:rPr lang="en-US" altLang="ja-JP" dirty="0"/>
-              <a:t>Shapes</a:t>
-            </a:r>
-          </a:p>
-          <a:p>
-            <a:pPr marL="0" indent="0">
-              <a:buNone/>
-            </a:pPr>
-            <a:endParaRPr kumimoji="1" lang="ja-JP" altLang="en-US" dirty="0"/>
+              <a:rPr kumimoji="1" lang="en-US" altLang="ja-JP" sz="2400" dirty="0"/>
+              <a:t>2</a:t>
+            </a:r>
+            <a:r>
+              <a:rPr kumimoji="1" lang="ja-JP" altLang="en-US" sz="2400" dirty="0"/>
+              <a:t>カ月</a:t>
+            </a:r>
+            <a:r>
+              <a:rPr kumimoji="1" lang="en-US" altLang="ja-JP" sz="2400" dirty="0"/>
+              <a:t>(</a:t>
+            </a:r>
+            <a:r>
+              <a:rPr kumimoji="1" lang="ja-JP" altLang="en-US" sz="2400" dirty="0"/>
+              <a:t>約</a:t>
+            </a:r>
+            <a:r>
+              <a:rPr kumimoji="1" lang="en-US" altLang="ja-JP" sz="2400" dirty="0"/>
+              <a:t>250</a:t>
+            </a:r>
+            <a:r>
+              <a:rPr kumimoji="1" lang="ja-JP" altLang="en-US" sz="2400" dirty="0"/>
+              <a:t>時間</a:t>
+            </a:r>
+            <a:r>
+              <a:rPr kumimoji="1" lang="en-US" altLang="ja-JP" sz="2400" dirty="0"/>
+              <a:t>)</a:t>
+            </a:r>
+          </a:p>
+          <a:p>
+            <a:r>
+              <a:rPr kumimoji="1" lang="ja-JP" altLang="en-US" sz="2400" dirty="0"/>
+              <a:t>開発人数</a:t>
+            </a:r>
+            <a:r>
+              <a:rPr kumimoji="1" lang="en-US" altLang="ja-JP" sz="2400" dirty="0"/>
+              <a:t>: 1</a:t>
+            </a:r>
+            <a:r>
+              <a:rPr kumimoji="1" lang="ja-JP" altLang="en-US" sz="2400" dirty="0"/>
+              <a:t>人</a:t>
+            </a:r>
+            <a:endParaRPr kumimoji="1" lang="en-US" altLang="ja-JP" sz="2400" dirty="0"/>
+          </a:p>
+          <a:p>
+            <a:r>
+              <a:rPr kumimoji="1" lang="ja-JP" altLang="en-US" sz="2400" dirty="0"/>
+              <a:t>開発環境</a:t>
+            </a:r>
+            <a:r>
+              <a:rPr kumimoji="1" lang="en-US" altLang="ja-JP" sz="2400" dirty="0"/>
+              <a:t>: </a:t>
+            </a:r>
+            <a:r>
+              <a:rPr kumimoji="1" lang="en-US" altLang="ja-JP" sz="2400" dirty="0" err="1"/>
+              <a:t>DxLib</a:t>
+            </a:r>
+            <a:endParaRPr kumimoji="1" lang="en-US" altLang="ja-JP" sz="2400" dirty="0"/>
+          </a:p>
+          <a:p>
+            <a:r>
+              <a:rPr kumimoji="1" lang="ja-JP" altLang="en-US" sz="2400" dirty="0"/>
+              <a:t>使用言語</a:t>
+            </a:r>
+            <a:r>
+              <a:rPr kumimoji="1" lang="en-US" altLang="ja-JP" sz="2400" dirty="0"/>
+              <a:t>: C++</a:t>
+            </a:r>
           </a:p>
         </p:txBody>
       </p:sp>
     </p:spTree>
     <p:extLst>
       <p:ext uri="{BB962C8B-B14F-4D97-AF65-F5344CB8AC3E}">
-        <p14:creationId xmlns:p14="http://schemas.microsoft.com/office/powerpoint/2010/main" val="474468388"/>
+        <p14:creationId xmlns:p14="http://schemas.microsoft.com/office/powerpoint/2010/main" val="4127913306"/>
+      </p:ext>
+    </p:extLst>
+  </p:cSld>
+  <p:clrMapOvr>
+    <a:masterClrMapping/>
+  </p:clrMapOvr>
+</p:sld>
+</file>
+
+<file path=ppt/slides/slide6.xml><?xml version="1.0" encoding="utf-8"?>
+<p:sld xmlns:a="http://schemas.openxmlformats.org/drawingml/2006/main" xmlns:r="http://schemas.openxmlformats.org/officeDocument/2006/relationships" xmlns:p="http://schemas.openxmlformats.org/presentationml/2006/main">
+  <p:cSld>
+    <p:spTree>
+      <p:nvGrpSpPr>
+        <p:cNvPr id="1" name=""/>
+        <p:cNvGrpSpPr/>
+        <p:nvPr/>
+      </p:nvGrpSpPr>
+      <p:grpSpPr>
+        <a:xfrm>
+          <a:off x="0" y="0"/>
+          <a:ext cx="0" cy="0"/>
+          <a:chOff x="0" y="0"/>
+          <a:chExt cx="0" cy="0"/>
+        </a:xfrm>
+      </p:grpSpPr>
+      <p:sp>
+        <p:nvSpPr>
+          <p:cNvPr id="2" name="タイトル 1">
+            <a:extLst>
+              <a:ext uri="{FF2B5EF4-FFF2-40B4-BE49-F238E27FC236}">
+                <a16:creationId xmlns:a16="http://schemas.microsoft.com/office/drawing/2014/main" id="{F31A428C-630B-47DA-90DE-F21C5CA8E318}"/>
+              </a:ext>
+            </a:extLst>
+          </p:cNvPr>
+          <p:cNvSpPr>
+            <a:spLocks noGrp="1"/>
+          </p:cNvSpPr>
+          <p:nvPr>
+            <p:ph type="title"/>
+          </p:nvPr>
+        </p:nvSpPr>
+        <p:spPr>
+          <a:xfrm>
+            <a:off x="1141413" y="618518"/>
+            <a:ext cx="9905998" cy="1235682"/>
+          </a:xfrm>
+        </p:spPr>
+        <p:txBody>
+          <a:bodyPr/>
+          <a:lstStyle/>
+          <a:p>
+            <a:endParaRPr kumimoji="1" lang="ja-JP" altLang="en-US" dirty="0"/>
+          </a:p>
+        </p:txBody>
+      </p:sp>
+      <p:pic>
+        <p:nvPicPr>
+          <p:cNvPr id="9" name="コンテンツ プレースホルダー 8">
+            <a:extLst>
+              <a:ext uri="{FF2B5EF4-FFF2-40B4-BE49-F238E27FC236}">
+                <a16:creationId xmlns:a16="http://schemas.microsoft.com/office/drawing/2014/main" id="{A633C937-BD57-4CD0-A0DA-A264A225D04E}"/>
+              </a:ext>
+            </a:extLst>
+          </p:cNvPr>
+          <p:cNvPicPr>
+            <a:picLocks noGrp="1" noChangeAspect="1"/>
+          </p:cNvPicPr>
+          <p:nvPr>
+            <p:ph idx="1"/>
+          </p:nvPr>
+        </p:nvPicPr>
+        <p:blipFill>
+          <a:blip r:embed="rId2"/>
+          <a:stretch>
+            <a:fillRect/>
+          </a:stretch>
+        </p:blipFill>
+        <p:spPr>
+          <a:xfrm>
+            <a:off x="1141413" y="4343289"/>
+            <a:ext cx="3581322" cy="2024226"/>
+          </a:xfrm>
+        </p:spPr>
+      </p:pic>
+      <p:pic>
+        <p:nvPicPr>
+          <p:cNvPr id="11" name="図 10">
+            <a:extLst>
+              <a:ext uri="{FF2B5EF4-FFF2-40B4-BE49-F238E27FC236}">
+                <a16:creationId xmlns:a16="http://schemas.microsoft.com/office/drawing/2014/main" id="{5337223F-73A9-4DFF-A62E-94B06BED2B8A}"/>
+              </a:ext>
+            </a:extLst>
+          </p:cNvPr>
+          <p:cNvPicPr>
+            <a:picLocks noChangeAspect="1"/>
+          </p:cNvPicPr>
+          <p:nvPr/>
+        </p:nvPicPr>
+        <p:blipFill>
+          <a:blip r:embed="rId3"/>
+          <a:stretch>
+            <a:fillRect/>
+          </a:stretch>
+        </p:blipFill>
+        <p:spPr>
+          <a:xfrm>
+            <a:off x="1141413" y="2101123"/>
+            <a:ext cx="3581322" cy="2013677"/>
+          </a:xfrm>
+          <a:prstGeom prst="rect">
+            <a:avLst/>
+          </a:prstGeom>
+        </p:spPr>
+      </p:pic>
+    </p:spTree>
+    <p:extLst>
+      <p:ext uri="{BB962C8B-B14F-4D97-AF65-F5344CB8AC3E}">
+        <p14:creationId xmlns:p14="http://schemas.microsoft.com/office/powerpoint/2010/main" val="453485877"/>
       </p:ext>
     </p:extLst>
   </p:cSld>
